--- a/ED-Tema-6/6.1 Esquema de Llaves_Cynthia Jasmine Morales Torres.pptx
+++ b/ED-Tema-6/6.1 Esquema de Llaves_Cynthia Jasmine Morales Torres.pptx
@@ -1,38 +1,38 @@
 
 <file path=ppt/presentation.xml><?xml version="1.0" encoding="utf-8"?>
-<p:presentation xmlns:a="http://schemas.openxmlformats.org/drawingml/2006/main" xmlns:r="http://schemas.openxmlformats.org/officeDocument/2006/relationships" xmlns:p="http://schemas.openxmlformats.org/presentationml/2006/main" saveSubsetFonts="1" embedTrueTypeFonts="true">
+<p:presentation xmlns:a="http://schemas.openxmlformats.org/drawingml/2006/main" xmlns:r="http://schemas.openxmlformats.org/officeDocument/2006/relationships" xmlns:p="http://schemas.openxmlformats.org/presentationml/2006/main" embedTrueTypeFonts="1" saveSubsetFonts="1">
   <p:sldMasterIdLst>
     <p:sldMasterId id="2147483648" r:id="rId1"/>
   </p:sldMasterIdLst>
   <p:sldIdLst>
-    <p:sldId id="256" r:id="rId6"/>
-    <p:sldId id="257" r:id="rId7"/>
-    <p:sldId id="258" r:id="rId8"/>
-    <p:sldId id="259" r:id="rId9"/>
-    <p:sldId id="260" r:id="rId10"/>
+    <p:sldId id="256" r:id="rId2"/>
+    <p:sldId id="257" r:id="rId3"/>
+    <p:sldId id="258" r:id="rId4"/>
+    <p:sldId id="259" r:id="rId5"/>
+    <p:sldId id="260" r:id="rId6"/>
   </p:sldIdLst>
   <p:sldSz cx="9753600" cy="7315200"/>
   <p:notesSz cx="6858000" cy="9144000"/>
   <p:embeddedFontLst>
     <p:embeddedFont>
-      <p:font typeface="Glacial Indifference" charset="1" panose="00000000000000000000"/>
-      <p:regular r:id="rId11"/>
+      <p:font typeface="Glacial Indifference" panose="020B0604020202020204" charset="0"/>
+      <p:regular r:id="rId7"/>
     </p:embeddedFont>
     <p:embeddedFont>
-      <p:font typeface="Open Sans" charset="1" panose="020B0606030504020204"/>
-      <p:regular r:id="rId12"/>
+      <p:font typeface="Inter" panose="020B0604020202020204" charset="0"/>
+      <p:regular r:id="rId8"/>
     </p:embeddedFont>
     <p:embeddedFont>
-      <p:font typeface="Luckiest Guy" charset="1" panose="02000506000000020004"/>
-      <p:regular r:id="rId13"/>
+      <p:font typeface="Luckiest Guy" panose="020B0604020202020204" charset="0"/>
+      <p:regular r:id="rId9"/>
     </p:embeddedFont>
     <p:embeddedFont>
-      <p:font typeface="Inter" charset="1" panose="020B0502030000000004"/>
-      <p:regular r:id="rId14"/>
+      <p:font typeface="Open Sans" panose="020B0606030504020204" pitchFamily="34" charset="0"/>
+      <p:regular r:id="rId10"/>
     </p:embeddedFont>
     <p:embeddedFont>
-      <p:font typeface="Open Sans Bold" charset="1" panose="020B0806030504020204"/>
-      <p:regular r:id="rId15"/>
+      <p:font typeface="Open Sans Bold" panose="020B0806030504020204" charset="0"/>
+      <p:regular r:id="rId11"/>
     </p:embeddedFont>
   </p:embeddedFontLst>
   <p:defaultTextStyle>
@@ -130,6 +130,22 @@
       </a:defRPr>
     </a:lvl9pPr>
   </p:defaultTextStyle>
+  <p:extLst>
+    <p:ext uri="{EFAFB233-063F-42B5-8137-9DF3F51BA10A}">
+      <p15:sldGuideLst xmlns:p15="http://schemas.microsoft.com/office/powerpoint/2012/main">
+        <p15:guide id="1" orient="horz" pos="2160">
+          <p15:clr>
+            <a:srgbClr val="A4A3A4"/>
+          </p15:clr>
+        </p15:guide>
+        <p15:guide id="2" pos="2880">
+          <p15:clr>
+            <a:srgbClr val="A4A3A4"/>
+          </p15:clr>
+        </p15:guide>
+      </p15:sldGuideLst>
+    </p:ext>
+  </p:extLst>
 </p:presentation>
 </file>
 
@@ -171,10 +187,9 @@
           <a:lstStyle/>
           <a:p>
             <a:r>
-              <a:rPr lang="en-US" smtClean="0"/>
+              <a:rPr lang="en-US"/>
               <a:t>Click to edit Master title style</a:t>
             </a:r>
-            <a:endParaRPr lang="en-US"/>
           </a:p>
         </p:txBody>
       </p:sp>
@@ -290,10 +305,9 @@
           </a:lstStyle>
           <a:p>
             <a:r>
-              <a:rPr lang="en-US" smtClean="0"/>
+              <a:rPr lang="en-US"/>
               <a:t>Click to edit Master subtitle style</a:t>
             </a:r>
-            <a:endParaRPr lang="en-US"/>
           </a:p>
         </p:txBody>
       </p:sp>
@@ -315,7 +329,7 @@
             <a:fld id="{1D8BD707-D9CF-40AE-B4C6-C98DA3205C09}" type="datetimeFigureOut">
               <a:rPr lang="en-US" smtClean="0"/>
               <a:pPr/>
-              <a:t>8/1/2011</a:t>
+              <a:t>12/14/2025</a:t>
             </a:fld>
             <a:endParaRPr lang="en-US"/>
           </a:p>
@@ -358,7 +372,7 @@
             <a:fld id="{B6F15528-21DE-4FAA-801E-634DDDAF4B2B}" type="slidenum">
               <a:rPr lang="en-US" smtClean="0"/>
               <a:pPr/>
-              <a:t>‹#›</a:t>
+              <a:t>‹Nº›</a:t>
             </a:fld>
             <a:endParaRPr lang="en-US"/>
           </a:p>
@@ -405,10 +419,9 @@
           <a:lstStyle/>
           <a:p>
             <a:r>
-              <a:rPr lang="en-US" smtClean="0"/>
+              <a:rPr lang="en-US"/>
               <a:t>Click to edit Master title style</a:t>
             </a:r>
-            <a:endParaRPr lang="en-US"/>
           </a:p>
         </p:txBody>
       </p:sp>
@@ -429,38 +442,37 @@
           <a:p>
             <a:pPr lvl="0"/>
             <a:r>
-              <a:rPr lang="en-US" smtClean="0"/>
+              <a:rPr lang="en-US"/>
               <a:t>Click to edit Master text styles</a:t>
             </a:r>
           </a:p>
           <a:p>
             <a:pPr lvl="1"/>
             <a:r>
-              <a:rPr lang="en-US" smtClean="0"/>
+              <a:rPr lang="en-US"/>
               <a:t>Second level</a:t>
             </a:r>
           </a:p>
           <a:p>
             <a:pPr lvl="2"/>
             <a:r>
-              <a:rPr lang="en-US" smtClean="0"/>
+              <a:rPr lang="en-US"/>
               <a:t>Third level</a:t>
             </a:r>
           </a:p>
           <a:p>
             <a:pPr lvl="3"/>
             <a:r>
-              <a:rPr lang="en-US" smtClean="0"/>
+              <a:rPr lang="en-US"/>
               <a:t>Fourth level</a:t>
             </a:r>
           </a:p>
           <a:p>
             <a:pPr lvl="4"/>
             <a:r>
-              <a:rPr lang="en-US" smtClean="0"/>
+              <a:rPr lang="en-US"/>
               <a:t>Fifth level</a:t>
             </a:r>
-            <a:endParaRPr lang="en-US"/>
           </a:p>
         </p:txBody>
       </p:sp>
@@ -482,7 +494,7 @@
             <a:fld id="{1D8BD707-D9CF-40AE-B4C6-C98DA3205C09}" type="datetimeFigureOut">
               <a:rPr lang="en-US" smtClean="0"/>
               <a:pPr/>
-              <a:t>8/1/2011</a:t>
+              <a:t>12/14/2025</a:t>
             </a:fld>
             <a:endParaRPr lang="en-US"/>
           </a:p>
@@ -525,7 +537,7 @@
             <a:fld id="{B6F15528-21DE-4FAA-801E-634DDDAF4B2B}" type="slidenum">
               <a:rPr lang="en-US" smtClean="0"/>
               <a:pPr/>
-              <a:t>‹#›</a:t>
+              <a:t>‹Nº›</a:t>
             </a:fld>
             <a:endParaRPr lang="en-US"/>
           </a:p>
@@ -577,10 +589,9 @@
           <a:lstStyle/>
           <a:p>
             <a:r>
-              <a:rPr lang="en-US" smtClean="0"/>
+              <a:rPr lang="en-US"/>
               <a:t>Click to edit Master title style</a:t>
             </a:r>
-            <a:endParaRPr lang="en-US"/>
           </a:p>
         </p:txBody>
       </p:sp>
@@ -606,38 +617,37 @@
           <a:p>
             <a:pPr lvl="0"/>
             <a:r>
-              <a:rPr lang="en-US" smtClean="0"/>
+              <a:rPr lang="en-US"/>
               <a:t>Click to edit Master text styles</a:t>
             </a:r>
           </a:p>
           <a:p>
             <a:pPr lvl="1"/>
             <a:r>
-              <a:rPr lang="en-US" smtClean="0"/>
+              <a:rPr lang="en-US"/>
               <a:t>Second level</a:t>
             </a:r>
           </a:p>
           <a:p>
             <a:pPr lvl="2"/>
             <a:r>
-              <a:rPr lang="en-US" smtClean="0"/>
+              <a:rPr lang="en-US"/>
               <a:t>Third level</a:t>
             </a:r>
           </a:p>
           <a:p>
             <a:pPr lvl="3"/>
             <a:r>
-              <a:rPr lang="en-US" smtClean="0"/>
+              <a:rPr lang="en-US"/>
               <a:t>Fourth level</a:t>
             </a:r>
           </a:p>
           <a:p>
             <a:pPr lvl="4"/>
             <a:r>
-              <a:rPr lang="en-US" smtClean="0"/>
+              <a:rPr lang="en-US"/>
               <a:t>Fifth level</a:t>
             </a:r>
-            <a:endParaRPr lang="en-US"/>
           </a:p>
         </p:txBody>
       </p:sp>
@@ -659,7 +669,7 @@
             <a:fld id="{1D8BD707-D9CF-40AE-B4C6-C98DA3205C09}" type="datetimeFigureOut">
               <a:rPr lang="en-US" smtClean="0"/>
               <a:pPr/>
-              <a:t>8/1/2011</a:t>
+              <a:t>12/14/2025</a:t>
             </a:fld>
             <a:endParaRPr lang="en-US"/>
           </a:p>
@@ -702,7 +712,7 @@
             <a:fld id="{B6F15528-21DE-4FAA-801E-634DDDAF4B2B}" type="slidenum">
               <a:rPr lang="en-US" smtClean="0"/>
               <a:pPr/>
-              <a:t>‹#›</a:t>
+              <a:t>‹Nº›</a:t>
             </a:fld>
             <a:endParaRPr lang="en-US"/>
           </a:p>
@@ -749,10 +759,9 @@
           <a:lstStyle/>
           <a:p>
             <a:r>
-              <a:rPr lang="en-US" smtClean="0"/>
+              <a:rPr lang="en-US"/>
               <a:t>Click to edit Master title style</a:t>
             </a:r>
-            <a:endParaRPr lang="en-US"/>
           </a:p>
         </p:txBody>
       </p:sp>
@@ -773,38 +782,37 @@
           <a:p>
             <a:pPr lvl="0"/>
             <a:r>
-              <a:rPr lang="en-US" smtClean="0"/>
+              <a:rPr lang="en-US"/>
               <a:t>Click to edit Master text styles</a:t>
             </a:r>
           </a:p>
           <a:p>
             <a:pPr lvl="1"/>
             <a:r>
-              <a:rPr lang="en-US" smtClean="0"/>
+              <a:rPr lang="en-US"/>
               <a:t>Second level</a:t>
             </a:r>
           </a:p>
           <a:p>
             <a:pPr lvl="2"/>
             <a:r>
-              <a:rPr lang="en-US" smtClean="0"/>
+              <a:rPr lang="en-US"/>
               <a:t>Third level</a:t>
             </a:r>
           </a:p>
           <a:p>
             <a:pPr lvl="3"/>
             <a:r>
-              <a:rPr lang="en-US" smtClean="0"/>
+              <a:rPr lang="en-US"/>
               <a:t>Fourth level</a:t>
             </a:r>
           </a:p>
           <a:p>
             <a:pPr lvl="4"/>
             <a:r>
-              <a:rPr lang="en-US" smtClean="0"/>
+              <a:rPr lang="en-US"/>
               <a:t>Fifth level</a:t>
             </a:r>
-            <a:endParaRPr lang="en-US"/>
           </a:p>
         </p:txBody>
       </p:sp>
@@ -826,7 +834,7 @@
             <a:fld id="{1D8BD707-D9CF-40AE-B4C6-C98DA3205C09}" type="datetimeFigureOut">
               <a:rPr lang="en-US" smtClean="0"/>
               <a:pPr/>
-              <a:t>8/1/2011</a:t>
+              <a:t>12/14/2025</a:t>
             </a:fld>
             <a:endParaRPr lang="en-US"/>
           </a:p>
@@ -869,7 +877,7 @@
             <a:fld id="{B6F15528-21DE-4FAA-801E-634DDDAF4B2B}" type="slidenum">
               <a:rPr lang="en-US" smtClean="0"/>
               <a:pPr/>
-              <a:t>‹#›</a:t>
+              <a:t>‹Nº›</a:t>
             </a:fld>
             <a:endParaRPr lang="en-US"/>
           </a:p>
@@ -925,10 +933,9 @@
           </a:lstStyle>
           <a:p>
             <a:r>
-              <a:rPr lang="en-US" smtClean="0"/>
+              <a:rPr lang="en-US"/>
               <a:t>Click to edit Master title style</a:t>
             </a:r>
-            <a:endParaRPr lang="en-US"/>
           </a:p>
         </p:txBody>
       </p:sp>
@@ -1045,7 +1052,7 @@
           <a:p>
             <a:pPr lvl="0"/>
             <a:r>
-              <a:rPr lang="en-US" smtClean="0"/>
+              <a:rPr lang="en-US"/>
               <a:t>Click to edit Master text styles</a:t>
             </a:r>
           </a:p>
@@ -1069,7 +1076,7 @@
             <a:fld id="{1D8BD707-D9CF-40AE-B4C6-C98DA3205C09}" type="datetimeFigureOut">
               <a:rPr lang="en-US" smtClean="0"/>
               <a:pPr/>
-              <a:t>8/1/2011</a:t>
+              <a:t>12/14/2025</a:t>
             </a:fld>
             <a:endParaRPr lang="en-US"/>
           </a:p>
@@ -1112,7 +1119,7 @@
             <a:fld id="{B6F15528-21DE-4FAA-801E-634DDDAF4B2B}" type="slidenum">
               <a:rPr lang="en-US" smtClean="0"/>
               <a:pPr/>
-              <a:t>‹#›</a:t>
+              <a:t>‹Nº›</a:t>
             </a:fld>
             <a:endParaRPr lang="en-US"/>
           </a:p>
@@ -1159,10 +1166,9 @@
           <a:lstStyle/>
           <a:p>
             <a:r>
-              <a:rPr lang="en-US" smtClean="0"/>
+              <a:rPr lang="en-US"/>
               <a:t>Click to edit Master title style</a:t>
             </a:r>
-            <a:endParaRPr lang="en-US"/>
           </a:p>
         </p:txBody>
       </p:sp>
@@ -1216,38 +1222,37 @@
           <a:p>
             <a:pPr lvl="0"/>
             <a:r>
-              <a:rPr lang="en-US" smtClean="0"/>
+              <a:rPr lang="en-US"/>
               <a:t>Click to edit Master text styles</a:t>
             </a:r>
           </a:p>
           <a:p>
             <a:pPr lvl="1"/>
             <a:r>
-              <a:rPr lang="en-US" smtClean="0"/>
+              <a:rPr lang="en-US"/>
               <a:t>Second level</a:t>
             </a:r>
           </a:p>
           <a:p>
             <a:pPr lvl="2"/>
             <a:r>
-              <a:rPr lang="en-US" smtClean="0"/>
+              <a:rPr lang="en-US"/>
               <a:t>Third level</a:t>
             </a:r>
           </a:p>
           <a:p>
             <a:pPr lvl="3"/>
             <a:r>
-              <a:rPr lang="en-US" smtClean="0"/>
+              <a:rPr lang="en-US"/>
               <a:t>Fourth level</a:t>
             </a:r>
           </a:p>
           <a:p>
             <a:pPr lvl="4"/>
             <a:r>
-              <a:rPr lang="en-US" smtClean="0"/>
+              <a:rPr lang="en-US"/>
               <a:t>Fifth level</a:t>
             </a:r>
-            <a:endParaRPr lang="en-US"/>
           </a:p>
         </p:txBody>
       </p:sp>
@@ -1301,38 +1306,37 @@
           <a:p>
             <a:pPr lvl="0"/>
             <a:r>
-              <a:rPr lang="en-US" smtClean="0"/>
+              <a:rPr lang="en-US"/>
               <a:t>Click to edit Master text styles</a:t>
             </a:r>
           </a:p>
           <a:p>
             <a:pPr lvl="1"/>
             <a:r>
-              <a:rPr lang="en-US" smtClean="0"/>
+              <a:rPr lang="en-US"/>
               <a:t>Second level</a:t>
             </a:r>
           </a:p>
           <a:p>
             <a:pPr lvl="2"/>
             <a:r>
-              <a:rPr lang="en-US" smtClean="0"/>
+              <a:rPr lang="en-US"/>
               <a:t>Third level</a:t>
             </a:r>
           </a:p>
           <a:p>
             <a:pPr lvl="3"/>
             <a:r>
-              <a:rPr lang="en-US" smtClean="0"/>
+              <a:rPr lang="en-US"/>
               <a:t>Fourth level</a:t>
             </a:r>
           </a:p>
           <a:p>
             <a:pPr lvl="4"/>
             <a:r>
-              <a:rPr lang="en-US" smtClean="0"/>
+              <a:rPr lang="en-US"/>
               <a:t>Fifth level</a:t>
             </a:r>
-            <a:endParaRPr lang="en-US"/>
           </a:p>
         </p:txBody>
       </p:sp>
@@ -1354,7 +1358,7 @@
             <a:fld id="{1D8BD707-D9CF-40AE-B4C6-C98DA3205C09}" type="datetimeFigureOut">
               <a:rPr lang="en-US" smtClean="0"/>
               <a:pPr/>
-              <a:t>8/1/2011</a:t>
+              <a:t>12/14/2025</a:t>
             </a:fld>
             <a:endParaRPr lang="en-US"/>
           </a:p>
@@ -1397,7 +1401,7 @@
             <a:fld id="{B6F15528-21DE-4FAA-801E-634DDDAF4B2B}" type="slidenum">
               <a:rPr lang="en-US" smtClean="0"/>
               <a:pPr/>
-              <a:t>‹#›</a:t>
+              <a:t>‹Nº›</a:t>
             </a:fld>
             <a:endParaRPr lang="en-US"/>
           </a:p>
@@ -1448,10 +1452,9 @@
           </a:lstStyle>
           <a:p>
             <a:r>
-              <a:rPr lang="en-US" smtClean="0"/>
+              <a:rPr lang="en-US"/>
               <a:t>Click to edit Master title style</a:t>
             </a:r>
-            <a:endParaRPr lang="en-US"/>
           </a:p>
         </p:txBody>
       </p:sp>
@@ -1514,7 +1517,7 @@
           <a:p>
             <a:pPr lvl="0"/>
             <a:r>
-              <a:rPr lang="en-US" smtClean="0"/>
+              <a:rPr lang="en-US"/>
               <a:t>Click to edit Master text styles</a:t>
             </a:r>
           </a:p>
@@ -1570,38 +1573,37 @@
           <a:p>
             <a:pPr lvl="0"/>
             <a:r>
-              <a:rPr lang="en-US" smtClean="0"/>
+              <a:rPr lang="en-US"/>
               <a:t>Click to edit Master text styles</a:t>
             </a:r>
           </a:p>
           <a:p>
             <a:pPr lvl="1"/>
             <a:r>
-              <a:rPr lang="en-US" smtClean="0"/>
+              <a:rPr lang="en-US"/>
               <a:t>Second level</a:t>
             </a:r>
           </a:p>
           <a:p>
             <a:pPr lvl="2"/>
             <a:r>
-              <a:rPr lang="en-US" smtClean="0"/>
+              <a:rPr lang="en-US"/>
               <a:t>Third level</a:t>
             </a:r>
           </a:p>
           <a:p>
             <a:pPr lvl="3"/>
             <a:r>
-              <a:rPr lang="en-US" smtClean="0"/>
+              <a:rPr lang="en-US"/>
               <a:t>Fourth level</a:t>
             </a:r>
           </a:p>
           <a:p>
             <a:pPr lvl="4"/>
             <a:r>
-              <a:rPr lang="en-US" smtClean="0"/>
+              <a:rPr lang="en-US"/>
               <a:t>Fifth level</a:t>
             </a:r>
-            <a:endParaRPr lang="en-US"/>
           </a:p>
         </p:txBody>
       </p:sp>
@@ -1664,7 +1666,7 @@
           <a:p>
             <a:pPr lvl="0"/>
             <a:r>
-              <a:rPr lang="en-US" smtClean="0"/>
+              <a:rPr lang="en-US"/>
               <a:t>Click to edit Master text styles</a:t>
             </a:r>
           </a:p>
@@ -1720,38 +1722,37 @@
           <a:p>
             <a:pPr lvl="0"/>
             <a:r>
-              <a:rPr lang="en-US" smtClean="0"/>
+              <a:rPr lang="en-US"/>
               <a:t>Click to edit Master text styles</a:t>
             </a:r>
           </a:p>
           <a:p>
             <a:pPr lvl="1"/>
             <a:r>
-              <a:rPr lang="en-US" smtClean="0"/>
+              <a:rPr lang="en-US"/>
               <a:t>Second level</a:t>
             </a:r>
           </a:p>
           <a:p>
             <a:pPr lvl="2"/>
             <a:r>
-              <a:rPr lang="en-US" smtClean="0"/>
+              <a:rPr lang="en-US"/>
               <a:t>Third level</a:t>
             </a:r>
           </a:p>
           <a:p>
             <a:pPr lvl="3"/>
             <a:r>
-              <a:rPr lang="en-US" smtClean="0"/>
+              <a:rPr lang="en-US"/>
               <a:t>Fourth level</a:t>
             </a:r>
           </a:p>
           <a:p>
             <a:pPr lvl="4"/>
             <a:r>
-              <a:rPr lang="en-US" smtClean="0"/>
+              <a:rPr lang="en-US"/>
               <a:t>Fifth level</a:t>
             </a:r>
-            <a:endParaRPr lang="en-US"/>
           </a:p>
         </p:txBody>
       </p:sp>
@@ -1773,7 +1774,7 @@
             <a:fld id="{1D8BD707-D9CF-40AE-B4C6-C98DA3205C09}" type="datetimeFigureOut">
               <a:rPr lang="en-US" smtClean="0"/>
               <a:pPr/>
-              <a:t>8/1/2011</a:t>
+              <a:t>12/14/2025</a:t>
             </a:fld>
             <a:endParaRPr lang="en-US"/>
           </a:p>
@@ -1816,7 +1817,7 @@
             <a:fld id="{B6F15528-21DE-4FAA-801E-634DDDAF4B2B}" type="slidenum">
               <a:rPr lang="en-US" smtClean="0"/>
               <a:pPr/>
-              <a:t>‹#›</a:t>
+              <a:t>‹Nº›</a:t>
             </a:fld>
             <a:endParaRPr lang="en-US"/>
           </a:p>
@@ -1863,10 +1864,9 @@
           <a:lstStyle/>
           <a:p>
             <a:r>
-              <a:rPr lang="en-US" smtClean="0"/>
+              <a:rPr lang="en-US"/>
               <a:t>Click to edit Master title style</a:t>
             </a:r>
-            <a:endParaRPr lang="en-US"/>
           </a:p>
         </p:txBody>
       </p:sp>
@@ -1888,7 +1888,7 @@
             <a:fld id="{1D8BD707-D9CF-40AE-B4C6-C98DA3205C09}" type="datetimeFigureOut">
               <a:rPr lang="en-US" smtClean="0"/>
               <a:pPr/>
-              <a:t>8/1/2011</a:t>
+              <a:t>12/14/2025</a:t>
             </a:fld>
             <a:endParaRPr lang="en-US"/>
           </a:p>
@@ -1931,7 +1931,7 @@
             <a:fld id="{B6F15528-21DE-4FAA-801E-634DDDAF4B2B}" type="slidenum">
               <a:rPr lang="en-US" smtClean="0"/>
               <a:pPr/>
-              <a:t>‹#›</a:t>
+              <a:t>‹Nº›</a:t>
             </a:fld>
             <a:endParaRPr lang="en-US"/>
           </a:p>
@@ -1980,7 +1980,7 @@
             <a:fld id="{1D8BD707-D9CF-40AE-B4C6-C98DA3205C09}" type="datetimeFigureOut">
               <a:rPr lang="en-US" smtClean="0"/>
               <a:pPr/>
-              <a:t>8/1/2011</a:t>
+              <a:t>12/14/2025</a:t>
             </a:fld>
             <a:endParaRPr lang="en-US"/>
           </a:p>
@@ -2023,7 +2023,7 @@
             <a:fld id="{B6F15528-21DE-4FAA-801E-634DDDAF4B2B}" type="slidenum">
               <a:rPr lang="en-US" smtClean="0"/>
               <a:pPr/>
-              <a:t>‹#›</a:t>
+              <a:t>‹Nº›</a:t>
             </a:fld>
             <a:endParaRPr lang="en-US"/>
           </a:p>
@@ -2079,10 +2079,9 @@
           </a:lstStyle>
           <a:p>
             <a:r>
-              <a:rPr lang="en-US" smtClean="0"/>
+              <a:rPr lang="en-US"/>
               <a:t>Click to edit Master title style</a:t>
             </a:r>
-            <a:endParaRPr lang="en-US"/>
           </a:p>
         </p:txBody>
       </p:sp>
@@ -2136,38 +2135,37 @@
           <a:p>
             <a:pPr lvl="0"/>
             <a:r>
-              <a:rPr lang="en-US" smtClean="0"/>
+              <a:rPr lang="en-US"/>
               <a:t>Click to edit Master text styles</a:t>
             </a:r>
           </a:p>
           <a:p>
             <a:pPr lvl="1"/>
             <a:r>
-              <a:rPr lang="en-US" smtClean="0"/>
+              <a:rPr lang="en-US"/>
               <a:t>Second level</a:t>
             </a:r>
           </a:p>
           <a:p>
             <a:pPr lvl="2"/>
             <a:r>
-              <a:rPr lang="en-US" smtClean="0"/>
+              <a:rPr lang="en-US"/>
               <a:t>Third level</a:t>
             </a:r>
           </a:p>
           <a:p>
             <a:pPr lvl="3"/>
             <a:r>
-              <a:rPr lang="en-US" smtClean="0"/>
+              <a:rPr lang="en-US"/>
               <a:t>Fourth level</a:t>
             </a:r>
           </a:p>
           <a:p>
             <a:pPr lvl="4"/>
             <a:r>
-              <a:rPr lang="en-US" smtClean="0"/>
+              <a:rPr lang="en-US"/>
               <a:t>Fifth level</a:t>
             </a:r>
-            <a:endParaRPr lang="en-US"/>
           </a:p>
         </p:txBody>
       </p:sp>
@@ -2230,7 +2228,7 @@
           <a:p>
             <a:pPr lvl="0"/>
             <a:r>
-              <a:rPr lang="en-US" smtClean="0"/>
+              <a:rPr lang="en-US"/>
               <a:t>Click to edit Master text styles</a:t>
             </a:r>
           </a:p>
@@ -2254,7 +2252,7 @@
             <a:fld id="{1D8BD707-D9CF-40AE-B4C6-C98DA3205C09}" type="datetimeFigureOut">
               <a:rPr lang="en-US" smtClean="0"/>
               <a:pPr/>
-              <a:t>8/1/2011</a:t>
+              <a:t>12/14/2025</a:t>
             </a:fld>
             <a:endParaRPr lang="en-US"/>
           </a:p>
@@ -2297,7 +2295,7 @@
             <a:fld id="{B6F15528-21DE-4FAA-801E-634DDDAF4B2B}" type="slidenum">
               <a:rPr lang="en-US" smtClean="0"/>
               <a:pPr/>
-              <a:t>‹#›</a:t>
+              <a:t>‹Nº›</a:t>
             </a:fld>
             <a:endParaRPr lang="en-US"/>
           </a:p>
@@ -2353,10 +2351,9 @@
           </a:lstStyle>
           <a:p>
             <a:r>
-              <a:rPr lang="en-US" smtClean="0"/>
+              <a:rPr lang="en-US"/>
               <a:t>Click to edit Master title style</a:t>
             </a:r>
-            <a:endParaRPr lang="en-US"/>
           </a:p>
         </p:txBody>
       </p:sp>
@@ -2480,7 +2477,7 @@
           <a:p>
             <a:pPr lvl="0"/>
             <a:r>
-              <a:rPr lang="en-US" smtClean="0"/>
+              <a:rPr lang="en-US"/>
               <a:t>Click to edit Master text styles</a:t>
             </a:r>
           </a:p>
@@ -2504,7 +2501,7 @@
             <a:fld id="{1D8BD707-D9CF-40AE-B4C6-C98DA3205C09}" type="datetimeFigureOut">
               <a:rPr lang="en-US" smtClean="0"/>
               <a:pPr/>
-              <a:t>8/1/2011</a:t>
+              <a:t>12/14/2025</a:t>
             </a:fld>
             <a:endParaRPr lang="en-US"/>
           </a:p>
@@ -2547,7 +2544,7 @@
             <a:fld id="{B6F15528-21DE-4FAA-801E-634DDDAF4B2B}" type="slidenum">
               <a:rPr lang="en-US" smtClean="0"/>
               <a:pPr/>
-              <a:t>‹#›</a:t>
+              <a:t>‹Nº›</a:t>
             </a:fld>
             <a:endParaRPr lang="en-US"/>
           </a:p>
@@ -2609,10 +2606,9 @@
           <a:lstStyle/>
           <a:p>
             <a:r>
-              <a:rPr lang="en-US" smtClean="0"/>
+              <a:rPr lang="en-US"/>
               <a:t>Click to edit Master title style</a:t>
             </a:r>
-            <a:endParaRPr lang="en-US"/>
           </a:p>
         </p:txBody>
       </p:sp>
@@ -2643,38 +2639,37 @@
           <a:p>
             <a:pPr lvl="0"/>
             <a:r>
-              <a:rPr lang="en-US" smtClean="0"/>
+              <a:rPr lang="en-US"/>
               <a:t>Click to edit Master text styles</a:t>
             </a:r>
           </a:p>
           <a:p>
             <a:pPr lvl="1"/>
             <a:r>
-              <a:rPr lang="en-US" smtClean="0"/>
+              <a:rPr lang="en-US"/>
               <a:t>Second level</a:t>
             </a:r>
           </a:p>
           <a:p>
             <a:pPr lvl="2"/>
             <a:r>
-              <a:rPr lang="en-US" smtClean="0"/>
+              <a:rPr lang="en-US"/>
               <a:t>Third level</a:t>
             </a:r>
           </a:p>
           <a:p>
             <a:pPr lvl="3"/>
             <a:r>
-              <a:rPr lang="en-US" smtClean="0"/>
+              <a:rPr lang="en-US"/>
               <a:t>Fourth level</a:t>
             </a:r>
           </a:p>
           <a:p>
             <a:pPr lvl="4"/>
             <a:r>
-              <a:rPr lang="en-US" smtClean="0"/>
+              <a:rPr lang="en-US"/>
               <a:t>Fifth level</a:t>
             </a:r>
-            <a:endParaRPr lang="en-US"/>
           </a:p>
         </p:txBody>
       </p:sp>
@@ -2714,7 +2709,7 @@
             <a:fld id="{1D8BD707-D9CF-40AE-B4C6-C98DA3205C09}" type="datetimeFigureOut">
               <a:rPr lang="en-US" smtClean="0"/>
               <a:pPr/>
-              <a:t>8/1/2011</a:t>
+              <a:t>12/14/2025</a:t>
             </a:fld>
             <a:endParaRPr lang="en-US"/>
           </a:p>
@@ -2793,7 +2788,7 @@
             <a:fld id="{B6F15528-21DE-4FAA-801E-634DDDAF4B2B}" type="slidenum">
               <a:rPr lang="en-US" smtClean="0"/>
               <a:pPr/>
-              <a:t>‹#›</a:t>
+              <a:t>‹Nº›</a:t>
             </a:fld>
             <a:endParaRPr lang="en-US"/>
           </a:p>
@@ -3069,13 +3064,14 @@
 </file>
 
 <file path=ppt/slides/slide1.xml><?xml version="1.0" encoding="utf-8"?>
-<p:sld xmlns:p="http://schemas.openxmlformats.org/presentationml/2006/main" xmlns:a="http://schemas.openxmlformats.org/drawingml/2006/main" xmlns:r="http://schemas.openxmlformats.org/officeDocument/2006/relationships">
+<p:sld xmlns:a="http://schemas.openxmlformats.org/drawingml/2006/main" xmlns:r="http://schemas.openxmlformats.org/officeDocument/2006/relationships" xmlns:p="http://schemas.openxmlformats.org/presentationml/2006/main">
   <p:cSld>
     <p:bg>
       <p:bgPr>
         <a:solidFill>
           <a:srgbClr val="F7FAFF"/>
         </a:solidFill>
+        <a:effectLst/>
       </p:bgPr>
     </p:bg>
     <p:spTree>
@@ -3094,12 +3090,12 @@
       </p:grpSpPr>
       <p:sp>
         <p:nvSpPr>
-          <p:cNvPr name="TextBox 2" id="2"/>
-          <p:cNvSpPr txBox="true"/>
+          <p:cNvPr id="2" name="TextBox 2"/>
+          <p:cNvSpPr txBox="1"/>
           <p:nvPr/>
         </p:nvSpPr>
         <p:spPr>
-          <a:xfrm rot="0">
+          <a:xfrm>
             <a:off x="1955586" y="1224240"/>
             <a:ext cx="6067192" cy="5651049"/>
           </a:xfrm>
@@ -3108,7 +3104,7 @@
           </a:prstGeom>
         </p:spPr>
         <p:txBody>
-          <a:bodyPr anchor="t" rtlCol="false" tIns="0" lIns="0" bIns="0" rIns="0">
+          <a:bodyPr lIns="0" tIns="0" rIns="0" bIns="0" rtlCol="0" anchor="t">
             <a:spAutoFit/>
           </a:bodyPr>
           <a:lstStyle/>
@@ -3122,7 +3118,7 @@
               </a:spcBef>
             </a:pPr>
             <a:r>
-              <a:rPr lang="en-US" sz="1936">
+              <a:rPr lang="en-US" sz="1936" dirty="0">
                 <a:solidFill>
                   <a:srgbClr val="000000"/>
                 </a:solidFill>
@@ -3131,8 +3127,53 @@
                 <a:cs typeface="Glacial Indifference"/>
                 <a:sym typeface="Glacial Indifference"/>
               </a:rPr>
-              <a:t>Instituto Tecnológico de Frontera Comalapa</a:t>
-            </a:r>
+              <a:t>Instituto </a:t>
+            </a:r>
+            <a:r>
+              <a:rPr lang="en-US" sz="1936" dirty="0" err="1">
+                <a:solidFill>
+                  <a:srgbClr val="000000"/>
+                </a:solidFill>
+                <a:latin typeface="Glacial Indifference"/>
+                <a:ea typeface="Glacial Indifference"/>
+                <a:cs typeface="Glacial Indifference"/>
+                <a:sym typeface="Glacial Indifference"/>
+              </a:rPr>
+              <a:t>Tecnológico</a:t>
+            </a:r>
+            <a:r>
+              <a:rPr lang="en-US" sz="1936" dirty="0">
+                <a:solidFill>
+                  <a:srgbClr val="000000"/>
+                </a:solidFill>
+                <a:latin typeface="Glacial Indifference"/>
+                <a:ea typeface="Glacial Indifference"/>
+                <a:cs typeface="Glacial Indifference"/>
+                <a:sym typeface="Glacial Indifference"/>
+              </a:rPr>
+              <a:t> de Frontera </a:t>
+            </a:r>
+            <a:r>
+              <a:rPr lang="en-US" sz="1936" dirty="0" err="1">
+                <a:solidFill>
+                  <a:srgbClr val="000000"/>
+                </a:solidFill>
+                <a:latin typeface="Glacial Indifference"/>
+                <a:ea typeface="Glacial Indifference"/>
+                <a:cs typeface="Glacial Indifference"/>
+                <a:sym typeface="Glacial Indifference"/>
+              </a:rPr>
+              <a:t>Comalapa</a:t>
+            </a:r>
+            <a:endParaRPr lang="en-US" sz="1936" dirty="0">
+              <a:solidFill>
+                <a:srgbClr val="000000"/>
+              </a:solidFill>
+              <a:latin typeface="Glacial Indifference"/>
+              <a:ea typeface="Glacial Indifference"/>
+              <a:cs typeface="Glacial Indifference"/>
+              <a:sym typeface="Glacial Indifference"/>
+            </a:endParaRPr>
           </a:p>
           <a:p>
             <a:pPr algn="ctr">
@@ -3144,7 +3185,7 @@
               </a:spcBef>
             </a:pPr>
             <a:r>
-              <a:rPr lang="en-US" sz="1936">
+              <a:rPr lang="en-US" sz="1936" dirty="0" err="1">
                 <a:solidFill>
                   <a:srgbClr val="000000"/>
                 </a:solidFill>
@@ -3153,7 +3194,19 @@
                 <a:cs typeface="Glacial Indifference"/>
                 <a:sym typeface="Glacial Indifference"/>
               </a:rPr>
-              <a:t>Modalidad Mixta</a:t>
+              <a:t>Modalidad</a:t>
+            </a:r>
+            <a:r>
+              <a:rPr lang="en-US" sz="1936" dirty="0">
+                <a:solidFill>
+                  <a:srgbClr val="000000"/>
+                </a:solidFill>
+                <a:latin typeface="Glacial Indifference"/>
+                <a:ea typeface="Glacial Indifference"/>
+                <a:cs typeface="Glacial Indifference"/>
+                <a:sym typeface="Glacial Indifference"/>
+              </a:rPr>
+              <a:t> Mixta</a:t>
             </a:r>
           </a:p>
           <a:p>
@@ -3165,6 +3218,15 @@
                 <a:spcPct val="0"/>
               </a:spcBef>
             </a:pPr>
+            <a:endParaRPr lang="en-US" sz="1936" dirty="0">
+              <a:solidFill>
+                <a:srgbClr val="000000"/>
+              </a:solidFill>
+              <a:latin typeface="Glacial Indifference"/>
+              <a:ea typeface="Glacial Indifference"/>
+              <a:cs typeface="Glacial Indifference"/>
+              <a:sym typeface="Glacial Indifference"/>
+            </a:endParaRPr>
           </a:p>
           <a:p>
             <a:pPr algn="ctr">
@@ -3176,7 +3238,7 @@
               </a:spcBef>
             </a:pPr>
             <a:r>
-              <a:rPr lang="en-US" sz="1936">
+              <a:rPr lang="en-US" sz="1936" dirty="0">
                 <a:solidFill>
                   <a:srgbClr val="000000"/>
                 </a:solidFill>
@@ -3198,7 +3260,7 @@
               </a:spcBef>
             </a:pPr>
             <a:r>
-              <a:rPr lang="en-US" sz="1936">
+              <a:rPr lang="en-US" sz="1936" dirty="0">
                 <a:solidFill>
                   <a:srgbClr val="000000"/>
                 </a:solidFill>
@@ -3220,7 +3282,7 @@
               </a:spcBef>
             </a:pPr>
             <a:r>
-              <a:rPr lang="en-US" sz="1936">
+              <a:rPr lang="en-US" sz="1936" dirty="0" err="1">
                 <a:solidFill>
                   <a:srgbClr val="000000"/>
                 </a:solidFill>
@@ -3229,7 +3291,19 @@
                 <a:cs typeface="Glacial Indifference"/>
                 <a:sym typeface="Glacial Indifference"/>
               </a:rPr>
-              <a:t>Estructura de Datos</a:t>
+              <a:t>Estructura</a:t>
+            </a:r>
+            <a:r>
+              <a:rPr lang="en-US" sz="1936" dirty="0">
+                <a:solidFill>
+                  <a:srgbClr val="000000"/>
+                </a:solidFill>
+                <a:latin typeface="Glacial Indifference"/>
+                <a:ea typeface="Glacial Indifference"/>
+                <a:cs typeface="Glacial Indifference"/>
+                <a:sym typeface="Glacial Indifference"/>
+              </a:rPr>
+              <a:t> de Datos</a:t>
             </a:r>
           </a:p>
           <a:p>
@@ -3242,7 +3316,7 @@
               </a:spcBef>
             </a:pPr>
             <a:r>
-              <a:rPr lang="en-US" sz="1936">
+              <a:rPr lang="en-US" sz="1936" dirty="0" err="1">
                 <a:solidFill>
                   <a:srgbClr val="000000"/>
                 </a:solidFill>
@@ -3251,7 +3325,19 @@
                 <a:cs typeface="Glacial Indifference"/>
                 <a:sym typeface="Glacial Indifference"/>
               </a:rPr>
-              <a:t>Semestre: </a:t>
+              <a:t>Semestre</a:t>
+            </a:r>
+            <a:r>
+              <a:rPr lang="en-US" sz="1936" dirty="0">
+                <a:solidFill>
+                  <a:srgbClr val="000000"/>
+                </a:solidFill>
+                <a:latin typeface="Glacial Indifference"/>
+                <a:ea typeface="Glacial Indifference"/>
+                <a:cs typeface="Glacial Indifference"/>
+                <a:sym typeface="Glacial Indifference"/>
+              </a:rPr>
+              <a:t>: </a:t>
             </a:r>
           </a:p>
           <a:p>
@@ -3264,7 +3350,7 @@
               </a:spcBef>
             </a:pPr>
             <a:r>
-              <a:rPr lang="en-US" sz="1936">
+              <a:rPr lang="en-US" sz="1936" dirty="0">
                 <a:solidFill>
                   <a:srgbClr val="000000"/>
                 </a:solidFill>
@@ -3273,7 +3359,31 @@
                 <a:cs typeface="Glacial Indifference"/>
                 <a:sym typeface="Glacial Indifference"/>
               </a:rPr>
-              <a:t>Quinto semestre </a:t>
+              <a:t>Quinto </a:t>
+            </a:r>
+            <a:r>
+              <a:rPr lang="en-US" sz="1936" dirty="0" err="1">
+                <a:solidFill>
+                  <a:srgbClr val="000000"/>
+                </a:solidFill>
+                <a:latin typeface="Glacial Indifference"/>
+                <a:ea typeface="Glacial Indifference"/>
+                <a:cs typeface="Glacial Indifference"/>
+                <a:sym typeface="Glacial Indifference"/>
+              </a:rPr>
+              <a:t>semestre</a:t>
+            </a:r>
+            <a:r>
+              <a:rPr lang="en-US" sz="1936" dirty="0">
+                <a:solidFill>
+                  <a:srgbClr val="000000"/>
+                </a:solidFill>
+                <a:latin typeface="Glacial Indifference"/>
+                <a:ea typeface="Glacial Indifference"/>
+                <a:cs typeface="Glacial Indifference"/>
+                <a:sym typeface="Glacial Indifference"/>
+              </a:rPr>
+              <a:t> </a:t>
             </a:r>
           </a:p>
           <a:p>
@@ -3286,7 +3396,7 @@
               </a:spcBef>
             </a:pPr>
             <a:r>
-              <a:rPr lang="en-US" sz="1936">
+              <a:rPr lang="en-US" sz="1936" dirty="0" err="1">
                 <a:solidFill>
                   <a:srgbClr val="000000"/>
                 </a:solidFill>
@@ -3295,7 +3405,19 @@
                 <a:cs typeface="Glacial Indifference"/>
                 <a:sym typeface="Glacial Indifference"/>
               </a:rPr>
-              <a:t>Especialidad:</a:t>
+              <a:t>Especialidad</a:t>
+            </a:r>
+            <a:r>
+              <a:rPr lang="en-US" sz="1936" dirty="0">
+                <a:solidFill>
+                  <a:srgbClr val="000000"/>
+                </a:solidFill>
+                <a:latin typeface="Glacial Indifference"/>
+                <a:ea typeface="Glacial Indifference"/>
+                <a:cs typeface="Glacial Indifference"/>
+                <a:sym typeface="Glacial Indifference"/>
+              </a:rPr>
+              <a:t>:</a:t>
             </a:r>
           </a:p>
           <a:p>
@@ -3308,7 +3430,7 @@
               </a:spcBef>
             </a:pPr>
             <a:r>
-              <a:rPr lang="en-US" sz="1936">
+              <a:rPr lang="en-US" sz="1936" dirty="0">
                 <a:solidFill>
                   <a:srgbClr val="000000"/>
                 </a:solidFill>
@@ -3317,7 +3439,55 @@
                 <a:cs typeface="Glacial Indifference"/>
                 <a:sym typeface="Glacial Indifference"/>
               </a:rPr>
-              <a:t>Ingeniería en Sistemas Computacionales.</a:t>
+              <a:t>Ingeniería </a:t>
+            </a:r>
+            <a:r>
+              <a:rPr lang="en-US" sz="1936" dirty="0" err="1">
+                <a:solidFill>
+                  <a:srgbClr val="000000"/>
+                </a:solidFill>
+                <a:latin typeface="Glacial Indifference"/>
+                <a:ea typeface="Glacial Indifference"/>
+                <a:cs typeface="Glacial Indifference"/>
+                <a:sym typeface="Glacial Indifference"/>
+              </a:rPr>
+              <a:t>en</a:t>
+            </a:r>
+            <a:r>
+              <a:rPr lang="en-US" sz="1936" dirty="0">
+                <a:solidFill>
+                  <a:srgbClr val="000000"/>
+                </a:solidFill>
+                <a:latin typeface="Glacial Indifference"/>
+                <a:ea typeface="Glacial Indifference"/>
+                <a:cs typeface="Glacial Indifference"/>
+                <a:sym typeface="Glacial Indifference"/>
+              </a:rPr>
+              <a:t> Sistemas </a:t>
+            </a:r>
+            <a:r>
+              <a:rPr lang="en-US" sz="1936" dirty="0" err="1">
+                <a:solidFill>
+                  <a:srgbClr val="000000"/>
+                </a:solidFill>
+                <a:latin typeface="Glacial Indifference"/>
+                <a:ea typeface="Glacial Indifference"/>
+                <a:cs typeface="Glacial Indifference"/>
+                <a:sym typeface="Glacial Indifference"/>
+              </a:rPr>
+              <a:t>Computacionales</a:t>
+            </a:r>
+            <a:r>
+              <a:rPr lang="en-US" sz="1936" dirty="0">
+                <a:solidFill>
+                  <a:srgbClr val="000000"/>
+                </a:solidFill>
+                <a:latin typeface="Glacial Indifference"/>
+                <a:ea typeface="Glacial Indifference"/>
+                <a:cs typeface="Glacial Indifference"/>
+                <a:sym typeface="Glacial Indifference"/>
+              </a:rPr>
+              <a:t>.</a:t>
             </a:r>
           </a:p>
           <a:p>
@@ -3330,7 +3500,7 @@
               </a:spcBef>
             </a:pPr>
             <a:r>
-              <a:rPr lang="en-US" sz="1936">
+              <a:rPr lang="en-US" sz="1936" dirty="0" err="1">
                 <a:solidFill>
                   <a:srgbClr val="000000"/>
                 </a:solidFill>
@@ -3339,7 +3509,19 @@
                 <a:cs typeface="Glacial Indifference"/>
                 <a:sym typeface="Glacial Indifference"/>
               </a:rPr>
-              <a:t>Numero de control:</a:t>
+              <a:t>Numero</a:t>
+            </a:r>
+            <a:r>
+              <a:rPr lang="en-US" sz="1936" dirty="0">
+                <a:solidFill>
+                  <a:srgbClr val="000000"/>
+                </a:solidFill>
+                <a:latin typeface="Glacial Indifference"/>
+                <a:ea typeface="Glacial Indifference"/>
+                <a:cs typeface="Glacial Indifference"/>
+                <a:sym typeface="Glacial Indifference"/>
+              </a:rPr>
+              <a:t> de control:</a:t>
             </a:r>
           </a:p>
           <a:p>
@@ -3352,7 +3534,7 @@
               </a:spcBef>
             </a:pPr>
             <a:r>
-              <a:rPr lang="en-US" sz="1936">
+              <a:rPr lang="en-US" sz="1936" dirty="0">
                 <a:solidFill>
                   <a:srgbClr val="000000"/>
                 </a:solidFill>
@@ -3374,7 +3556,7 @@
               </a:spcBef>
             </a:pPr>
             <a:r>
-              <a:rPr lang="en-US" sz="1936">
+              <a:rPr lang="en-US" sz="1936" dirty="0">
                 <a:solidFill>
                   <a:srgbClr val="000000"/>
                 </a:solidFill>
@@ -3383,7 +3565,31 @@
                 <a:cs typeface="Glacial Indifference"/>
                 <a:sym typeface="Glacial Indifference"/>
               </a:rPr>
-              <a:t>Nombre del alumno: </a:t>
+              <a:t>Nombre del </a:t>
+            </a:r>
+            <a:r>
+              <a:rPr lang="en-US" sz="1936" dirty="0" err="1">
+                <a:solidFill>
+                  <a:srgbClr val="000000"/>
+                </a:solidFill>
+                <a:latin typeface="Glacial Indifference"/>
+                <a:ea typeface="Glacial Indifference"/>
+                <a:cs typeface="Glacial Indifference"/>
+                <a:sym typeface="Glacial Indifference"/>
+              </a:rPr>
+              <a:t>alumno</a:t>
+            </a:r>
+            <a:r>
+              <a:rPr lang="en-US" sz="1936" dirty="0">
+                <a:solidFill>
+                  <a:srgbClr val="000000"/>
+                </a:solidFill>
+                <a:latin typeface="Glacial Indifference"/>
+                <a:ea typeface="Glacial Indifference"/>
+                <a:cs typeface="Glacial Indifference"/>
+                <a:sym typeface="Glacial Indifference"/>
+              </a:rPr>
+              <a:t>: </a:t>
             </a:r>
           </a:p>
           <a:p>
@@ -3396,7 +3602,7 @@
               </a:spcBef>
             </a:pPr>
             <a:r>
-              <a:rPr lang="en-US" sz="1936">
+              <a:rPr lang="en-US" sz="1936" dirty="0">
                 <a:solidFill>
                   <a:srgbClr val="000000"/>
                 </a:solidFill>
@@ -3418,7 +3624,7 @@
               </a:spcBef>
             </a:pPr>
             <a:r>
-              <a:rPr lang="en-US" sz="1936">
+              <a:rPr lang="en-US" sz="1936" dirty="0">
                 <a:solidFill>
                   <a:srgbClr val="000000"/>
                 </a:solidFill>
@@ -3427,7 +3633,31 @@
                 <a:cs typeface="Glacial Indifference"/>
                 <a:sym typeface="Glacial Indifference"/>
               </a:rPr>
-              <a:t>Nombre del docente: </a:t>
+              <a:t>Nombre del </a:t>
+            </a:r>
+            <a:r>
+              <a:rPr lang="en-US" sz="1936" dirty="0" err="1">
+                <a:solidFill>
+                  <a:srgbClr val="000000"/>
+                </a:solidFill>
+                <a:latin typeface="Glacial Indifference"/>
+                <a:ea typeface="Glacial Indifference"/>
+                <a:cs typeface="Glacial Indifference"/>
+                <a:sym typeface="Glacial Indifference"/>
+              </a:rPr>
+              <a:t>docente</a:t>
+            </a:r>
+            <a:r>
+              <a:rPr lang="en-US" sz="1936" dirty="0">
+                <a:solidFill>
+                  <a:srgbClr val="000000"/>
+                </a:solidFill>
+                <a:latin typeface="Glacial Indifference"/>
+                <a:ea typeface="Glacial Indifference"/>
+                <a:cs typeface="Glacial Indifference"/>
+                <a:sym typeface="Glacial Indifference"/>
+              </a:rPr>
+              <a:t>: </a:t>
             </a:r>
           </a:p>
           <a:p>
@@ -3440,7 +3670,7 @@
               </a:spcBef>
             </a:pPr>
             <a:r>
-              <a:rPr lang="en-US" sz="1936">
+              <a:rPr lang="en-US" sz="1936" dirty="0">
                 <a:solidFill>
                   <a:srgbClr val="000000"/>
                 </a:solidFill>
@@ -3462,7 +3692,7 @@
               </a:spcBef>
             </a:pPr>
             <a:r>
-              <a:rPr lang="en-US" sz="1936">
+              <a:rPr lang="en-US" sz="1936" dirty="0">
                 <a:solidFill>
                   <a:srgbClr val="000000"/>
                 </a:solidFill>
@@ -3471,7 +3701,31 @@
                 <a:cs typeface="Glacial Indifference"/>
                 <a:sym typeface="Glacial Indifference"/>
               </a:rPr>
-              <a:t>Nombre del trabajo:</a:t>
+              <a:t>Nombre del </a:t>
+            </a:r>
+            <a:r>
+              <a:rPr lang="en-US" sz="1936" dirty="0" err="1">
+                <a:solidFill>
+                  <a:srgbClr val="000000"/>
+                </a:solidFill>
+                <a:latin typeface="Glacial Indifference"/>
+                <a:ea typeface="Glacial Indifference"/>
+                <a:cs typeface="Glacial Indifference"/>
+                <a:sym typeface="Glacial Indifference"/>
+              </a:rPr>
+              <a:t>trabajo</a:t>
+            </a:r>
+            <a:r>
+              <a:rPr lang="en-US" sz="1936" dirty="0">
+                <a:solidFill>
+                  <a:srgbClr val="000000"/>
+                </a:solidFill>
+                <a:latin typeface="Glacial Indifference"/>
+                <a:ea typeface="Glacial Indifference"/>
+                <a:cs typeface="Glacial Indifference"/>
+                <a:sym typeface="Glacial Indifference"/>
+              </a:rPr>
+              <a:t>:</a:t>
             </a:r>
           </a:p>
           <a:p>
@@ -3484,7 +3738,7 @@
               </a:spcBef>
             </a:pPr>
             <a:r>
-              <a:rPr lang="en-US" sz="1936">
+              <a:rPr lang="en-US" sz="1936" dirty="0">
                 <a:solidFill>
                   <a:srgbClr val="000000"/>
                 </a:solidFill>
@@ -3493,8 +3747,53 @@
                 <a:cs typeface="Glacial Indifference"/>
                 <a:sym typeface="Glacial Indifference"/>
               </a:rPr>
-              <a:t>6.1 Esquema de Llaves</a:t>
-            </a:r>
+              <a:t>6.1 </a:t>
+            </a:r>
+            <a:r>
+              <a:rPr lang="en-US" sz="1936" dirty="0" err="1">
+                <a:solidFill>
+                  <a:srgbClr val="000000"/>
+                </a:solidFill>
+                <a:latin typeface="Glacial Indifference"/>
+                <a:ea typeface="Glacial Indifference"/>
+                <a:cs typeface="Glacial Indifference"/>
+                <a:sym typeface="Glacial Indifference"/>
+              </a:rPr>
+              <a:t>Esquema</a:t>
+            </a:r>
+            <a:r>
+              <a:rPr lang="en-US" sz="1936" dirty="0">
+                <a:solidFill>
+                  <a:srgbClr val="000000"/>
+                </a:solidFill>
+                <a:latin typeface="Glacial Indifference"/>
+                <a:ea typeface="Glacial Indifference"/>
+                <a:cs typeface="Glacial Indifference"/>
+                <a:sym typeface="Glacial Indifference"/>
+              </a:rPr>
+              <a:t> de </a:t>
+            </a:r>
+            <a:r>
+              <a:rPr lang="en-US" sz="1936" dirty="0" err="1">
+                <a:solidFill>
+                  <a:srgbClr val="000000"/>
+                </a:solidFill>
+                <a:latin typeface="Glacial Indifference"/>
+                <a:ea typeface="Glacial Indifference"/>
+                <a:cs typeface="Glacial Indifference"/>
+                <a:sym typeface="Glacial Indifference"/>
+              </a:rPr>
+              <a:t>Llaves</a:t>
+            </a:r>
+            <a:endParaRPr lang="en-US" sz="1936" dirty="0">
+              <a:solidFill>
+                <a:srgbClr val="000000"/>
+              </a:solidFill>
+              <a:latin typeface="Glacial Indifference"/>
+              <a:ea typeface="Glacial Indifference"/>
+              <a:cs typeface="Glacial Indifference"/>
+              <a:sym typeface="Glacial Indifference"/>
+            </a:endParaRPr>
           </a:p>
           <a:p>
             <a:pPr algn="ctr">
@@ -3506,7 +3805,7 @@
               </a:spcBef>
             </a:pPr>
             <a:r>
-              <a:rPr lang="en-US" sz="1936">
+              <a:rPr lang="en-US" sz="1936" dirty="0" err="1">
                 <a:solidFill>
                   <a:srgbClr val="000000"/>
                 </a:solidFill>
@@ -3515,7 +3814,43 @@
                 <a:cs typeface="Glacial Indifference"/>
                 <a:sym typeface="Glacial Indifference"/>
               </a:rPr>
-              <a:t>Fecha de entrega:</a:t>
+              <a:t>Fecha</a:t>
+            </a:r>
+            <a:r>
+              <a:rPr lang="en-US" sz="1936" dirty="0">
+                <a:solidFill>
+                  <a:srgbClr val="000000"/>
+                </a:solidFill>
+                <a:latin typeface="Glacial Indifference"/>
+                <a:ea typeface="Glacial Indifference"/>
+                <a:cs typeface="Glacial Indifference"/>
+                <a:sym typeface="Glacial Indifference"/>
+              </a:rPr>
+              <a:t> de </a:t>
+            </a:r>
+            <a:r>
+              <a:rPr lang="en-US" sz="1936" dirty="0" err="1">
+                <a:solidFill>
+                  <a:srgbClr val="000000"/>
+                </a:solidFill>
+                <a:latin typeface="Glacial Indifference"/>
+                <a:ea typeface="Glacial Indifference"/>
+                <a:cs typeface="Glacial Indifference"/>
+                <a:sym typeface="Glacial Indifference"/>
+              </a:rPr>
+              <a:t>entrega</a:t>
+            </a:r>
+            <a:r>
+              <a:rPr lang="en-US" sz="1936" dirty="0">
+                <a:solidFill>
+                  <a:srgbClr val="000000"/>
+                </a:solidFill>
+                <a:latin typeface="Glacial Indifference"/>
+                <a:ea typeface="Glacial Indifference"/>
+                <a:cs typeface="Glacial Indifference"/>
+                <a:sym typeface="Glacial Indifference"/>
+              </a:rPr>
+              <a:t>:</a:t>
             </a:r>
           </a:p>
           <a:p>
@@ -3527,6 +3862,15 @@
                 <a:spcPct val="0"/>
               </a:spcBef>
             </a:pPr>
+            <a:endParaRPr lang="en-US" sz="1936" dirty="0">
+              <a:solidFill>
+                <a:srgbClr val="000000"/>
+              </a:solidFill>
+              <a:latin typeface="Glacial Indifference"/>
+              <a:ea typeface="Glacial Indifference"/>
+              <a:cs typeface="Glacial Indifference"/>
+              <a:sym typeface="Glacial Indifference"/>
+            </a:endParaRPr>
           </a:p>
           <a:p>
             <a:pPr algn="ctr">
@@ -3538,7 +3882,7 @@
               </a:spcBef>
             </a:pPr>
             <a:r>
-              <a:rPr lang="en-US" sz="1936">
+              <a:rPr lang="en-US" sz="1936" dirty="0">
                 <a:solidFill>
                   <a:srgbClr val="000000"/>
                 </a:solidFill>
@@ -3547,19 +3891,79 @@
                 <a:cs typeface="Glacial Indifference"/>
                 <a:sym typeface="Glacial Indifference"/>
               </a:rPr>
-              <a:t>Frontera Comalapa, Chiapas. A 13 de diciembre de 2025</a:t>
-            </a:r>
-          </a:p>
-        </p:txBody>
-      </p:sp>
-      <p:sp>
-        <p:nvSpPr>
-          <p:cNvPr name="Freeform 3" id="3"/>
+              <a:t>Frontera </a:t>
+            </a:r>
+            <a:r>
+              <a:rPr lang="en-US" sz="1936" dirty="0" err="1">
+                <a:solidFill>
+                  <a:srgbClr val="000000"/>
+                </a:solidFill>
+                <a:latin typeface="Glacial Indifference"/>
+                <a:ea typeface="Glacial Indifference"/>
+                <a:cs typeface="Glacial Indifference"/>
+                <a:sym typeface="Glacial Indifference"/>
+              </a:rPr>
+              <a:t>Comalapa</a:t>
+            </a:r>
+            <a:r>
+              <a:rPr lang="en-US" sz="1936" dirty="0">
+                <a:solidFill>
+                  <a:srgbClr val="000000"/>
+                </a:solidFill>
+                <a:latin typeface="Glacial Indifference"/>
+                <a:ea typeface="Glacial Indifference"/>
+                <a:cs typeface="Glacial Indifference"/>
+                <a:sym typeface="Glacial Indifference"/>
+              </a:rPr>
+              <a:t>, Chiapas. </a:t>
+            </a:r>
+            <a:r>
+              <a:rPr lang="en-US" sz="1936">
+                <a:solidFill>
+                  <a:srgbClr val="000000"/>
+                </a:solidFill>
+                <a:latin typeface="Glacial Indifference"/>
+                <a:ea typeface="Glacial Indifference"/>
+                <a:cs typeface="Glacial Indifference"/>
+                <a:sym typeface="Glacial Indifference"/>
+              </a:rPr>
+              <a:t>A 11 de </a:t>
+            </a:r>
+            <a:r>
+              <a:rPr lang="en-US" sz="1936" dirty="0" err="1">
+                <a:solidFill>
+                  <a:srgbClr val="000000"/>
+                </a:solidFill>
+                <a:latin typeface="Glacial Indifference"/>
+                <a:ea typeface="Glacial Indifference"/>
+                <a:cs typeface="Glacial Indifference"/>
+                <a:sym typeface="Glacial Indifference"/>
+              </a:rPr>
+              <a:t>diciembre</a:t>
+            </a:r>
+            <a:r>
+              <a:rPr lang="en-US" sz="1936" dirty="0">
+                <a:solidFill>
+                  <a:srgbClr val="000000"/>
+                </a:solidFill>
+                <a:latin typeface="Glacial Indifference"/>
+                <a:ea typeface="Glacial Indifference"/>
+                <a:cs typeface="Glacial Indifference"/>
+                <a:sym typeface="Glacial Indifference"/>
+              </a:rPr>
+              <a:t> de 2025</a:t>
+            </a:r>
+          </a:p>
+        </p:txBody>
+      </p:sp>
+      <p:sp>
+        <p:nvSpPr>
+          <p:cNvPr id="3" name="Freeform 3"/>
           <p:cNvSpPr/>
           <p:nvPr/>
         </p:nvSpPr>
         <p:spPr>
-          <a:xfrm flipH="false" flipV="false" rot="0">
+          <a:xfrm>
             <a:off x="698130" y="114996"/>
             <a:ext cx="2304388" cy="984724"/>
           </a:xfrm>
@@ -3568,9 +3972,9 @@
             <a:gdLst/>
             <a:ahLst/>
             <a:cxnLst/>
-            <a:rect r="r" b="b" t="t" l="l"/>
+            <a:rect l="l" t="t" r="r" b="b"/>
             <a:pathLst>
-              <a:path h="984724" w="2304388">
+              <a:path w="2304388" h="984724">
                 <a:moveTo>
                   <a:pt x="0" y="0"/>
                 </a:moveTo>
@@ -3593,19 +3997,19 @@
           <a:blipFill>
             <a:blip r:embed="rId2"/>
             <a:stretch>
-              <a:fillRect l="0" t="0" r="0" b="0"/>
+              <a:fillRect/>
             </a:stretch>
           </a:blipFill>
         </p:spPr>
       </p:sp>
       <p:sp>
         <p:nvSpPr>
-          <p:cNvPr name="Freeform 4" id="4"/>
+          <p:cNvPr id="4" name="Freeform 4"/>
           <p:cNvSpPr/>
           <p:nvPr/>
         </p:nvSpPr>
         <p:spPr>
-          <a:xfrm flipH="false" flipV="false" rot="0">
+          <a:xfrm>
             <a:off x="7571483" y="0"/>
             <a:ext cx="1483987" cy="1214715"/>
           </a:xfrm>
@@ -3614,9 +4018,9 @@
             <a:gdLst/>
             <a:ahLst/>
             <a:cxnLst/>
-            <a:rect r="r" b="b" t="t" l="l"/>
+            <a:rect l="l" t="t" r="r" b="b"/>
             <a:pathLst>
-              <a:path h="1214715" w="1483987">
+              <a:path w="1483987" h="1214715">
                 <a:moveTo>
                   <a:pt x="0" y="0"/>
                 </a:moveTo>
@@ -3639,19 +4043,19 @@
           <a:blipFill>
             <a:blip r:embed="rId3"/>
             <a:stretch>
-              <a:fillRect l="0" t="0" r="0" b="0"/>
+              <a:fillRect/>
             </a:stretch>
           </a:blipFill>
         </p:spPr>
       </p:sp>
       <p:sp>
         <p:nvSpPr>
-          <p:cNvPr name="Freeform 5" id="5"/>
+          <p:cNvPr id="5" name="Freeform 5"/>
           <p:cNvSpPr/>
           <p:nvPr/>
         </p:nvSpPr>
         <p:spPr>
-          <a:xfrm flipH="false" flipV="false" rot="0">
+          <a:xfrm>
             <a:off x="3361803" y="155663"/>
             <a:ext cx="3254758" cy="673398"/>
           </a:xfrm>
@@ -3660,9 +4064,9 @@
             <a:gdLst/>
             <a:ahLst/>
             <a:cxnLst/>
-            <a:rect r="r" b="b" t="t" l="l"/>
+            <a:rect l="l" t="t" r="r" b="b"/>
             <a:pathLst>
-              <a:path h="673398" w="3254758">
+              <a:path w="3254758" h="673398">
                 <a:moveTo>
                   <a:pt x="0" y="0"/>
                 </a:moveTo>
@@ -3685,7 +4089,7 @@
           <a:blipFill>
             <a:blip r:embed="rId4"/>
             <a:stretch>
-              <a:fillRect l="0" t="0" r="0" b="0"/>
+              <a:fillRect/>
             </a:stretch>
           </a:blipFill>
         </p:spPr>
@@ -3699,13 +4103,14 @@
 </file>
 
 <file path=ppt/slides/slide2.xml><?xml version="1.0" encoding="utf-8"?>
-<p:sld xmlns:p="http://schemas.openxmlformats.org/presentationml/2006/main" xmlns:a="http://schemas.openxmlformats.org/drawingml/2006/main">
+<p:sld xmlns:a="http://schemas.openxmlformats.org/drawingml/2006/main" xmlns:r="http://schemas.openxmlformats.org/officeDocument/2006/relationships" xmlns:p="http://schemas.openxmlformats.org/presentationml/2006/main">
   <p:cSld>
     <p:bg>
       <p:bgPr>
         <a:solidFill>
           <a:srgbClr val="F7FAFF"/>
         </a:solidFill>
+        <a:effectLst/>
       </p:bgPr>
     </p:bg>
     <p:spTree>
@@ -3724,12 +4129,12 @@
       </p:grpSpPr>
       <p:sp>
         <p:nvSpPr>
-          <p:cNvPr name="TextBox 2" id="2"/>
-          <p:cNvSpPr txBox="true"/>
+          <p:cNvPr id="2" name="TextBox 2"/>
+          <p:cNvSpPr txBox="1"/>
           <p:nvPr/>
         </p:nvSpPr>
         <p:spPr>
-          <a:xfrm rot="0">
+          <a:xfrm>
             <a:off x="996596" y="1312981"/>
             <a:ext cx="7760409" cy="3106420"/>
           </a:xfrm>
@@ -3738,7 +4143,7 @@
           </a:prstGeom>
         </p:spPr>
         <p:txBody>
-          <a:bodyPr anchor="t" rtlCol="false" tIns="0" lIns="0" bIns="0" rIns="0">
+          <a:bodyPr lIns="0" tIns="0" rIns="0" bIns="0" rtlCol="0" anchor="t">
             <a:spAutoFit/>
           </a:bodyPr>
           <a:lstStyle/>
@@ -3777,19 +4182,7 @@
                 <a:cs typeface="Open Sans"/>
                 <a:sym typeface="Open Sans"/>
               </a:rPr>
-              <a:t>En el p</a:t>
-            </a:r>
-            <a:r>
-              <a:rPr lang="en-US" sz="2199">
-                <a:solidFill>
-                  <a:srgbClr val="000000"/>
-                </a:solidFill>
-                <a:latin typeface="Open Sans"/>
-                <a:ea typeface="Open Sans"/>
-                <a:cs typeface="Open Sans"/>
-                <a:sym typeface="Open Sans"/>
-              </a:rPr>
-              <a:t>rocesamiento de datos, los métodos de búsqueda determinan la velocidad de acceso a información crítica, desde recorridos simples hasta técnicas avanzadas como binaria o hashing. Su selección impacta el rendimiento en operaciones research, bases de datos y algoritmos. Comprenderlos permite diseñar soluciones escalables.</a:t>
+              <a:t>En el procesamiento de datos, los métodos de búsqueda determinan la velocidad de acceso a información crítica, desde recorridos simples hasta técnicas avanzadas como binaria o hashing. Su selección impacta el rendimiento en operaciones research, bases de datos y algoritmos. Comprenderlos permite diseñar soluciones escalables.</a:t>
             </a:r>
           </a:p>
           <a:p>
@@ -3798,6 +4191,15 @@
                 <a:spcPts val="3079"/>
               </a:lnSpc>
             </a:pPr>
+            <a:endParaRPr lang="en-US" sz="2199">
+              <a:solidFill>
+                <a:srgbClr val="000000"/>
+              </a:solidFill>
+              <a:latin typeface="Open Sans"/>
+              <a:ea typeface="Open Sans"/>
+              <a:cs typeface="Open Sans"/>
+              <a:sym typeface="Open Sans"/>
+            </a:endParaRPr>
           </a:p>
         </p:txBody>
       </p:sp>
@@ -3810,7 +4212,7 @@
 </file>
 
 <file path=ppt/slides/slide3.xml><?xml version="1.0" encoding="utf-8"?>
-<p:sld xmlns:p="http://schemas.openxmlformats.org/presentationml/2006/main" xmlns:a="http://schemas.openxmlformats.org/drawingml/2006/main" xmlns:r="http://schemas.openxmlformats.org/officeDocument/2006/relationships">
+<p:sld xmlns:a="http://schemas.openxmlformats.org/drawingml/2006/main" xmlns:r="http://schemas.openxmlformats.org/officeDocument/2006/relationships" xmlns:p="http://schemas.openxmlformats.org/presentationml/2006/main">
   <p:cSld>
     <p:spTree>
       <p:nvGrpSpPr>
@@ -3828,12 +4230,12 @@
       </p:grpSpPr>
       <p:sp>
         <p:nvSpPr>
-          <p:cNvPr name="Freeform 2" id="2"/>
+          <p:cNvPr id="2" name="Freeform 2"/>
           <p:cNvSpPr/>
           <p:nvPr/>
         </p:nvSpPr>
         <p:spPr>
-          <a:xfrm flipH="false" flipV="false" rot="0">
+          <a:xfrm>
             <a:off x="0" y="0"/>
             <a:ext cx="9753600" cy="7315200"/>
           </a:xfrm>
@@ -3842,9 +4244,9 @@
             <a:gdLst/>
             <a:ahLst/>
             <a:cxnLst/>
-            <a:rect r="r" b="b" t="t" l="l"/>
+            <a:rect l="l" t="t" r="r" b="b"/>
             <a:pathLst>
-              <a:path h="7315200" w="9753600">
+              <a:path w="9753600" h="7315200">
                 <a:moveTo>
                   <a:pt x="0" y="0"/>
                 </a:moveTo>
@@ -3867,19 +4269,19 @@
           <a:blipFill>
             <a:blip r:embed="rId2"/>
             <a:stretch>
-              <a:fillRect l="-6285" t="0" r="-6285" b="0"/>
+              <a:fillRect l="-6285" r="-6285"/>
             </a:stretch>
           </a:blipFill>
         </p:spPr>
       </p:sp>
       <p:sp>
         <p:nvSpPr>
-          <p:cNvPr name="Freeform 3" id="3"/>
+          <p:cNvPr id="3" name="Freeform 3"/>
           <p:cNvSpPr/>
           <p:nvPr/>
         </p:nvSpPr>
         <p:spPr>
-          <a:xfrm flipH="true" flipV="false" rot="0">
+          <a:xfrm flipH="1">
             <a:off x="8268371" y="5741499"/>
             <a:ext cx="2002938" cy="1962879"/>
           </a:xfrm>
@@ -3888,9 +4290,9 @@
             <a:gdLst/>
             <a:ahLst/>
             <a:cxnLst/>
-            <a:rect r="r" b="b" t="t" l="l"/>
+            <a:rect l="l" t="t" r="r" b="b"/>
             <a:pathLst>
-              <a:path h="1962879" w="2002938">
+              <a:path w="2002938" h="1962879">
                 <a:moveTo>
                   <a:pt x="2002938" y="0"/>
                 </a:moveTo>
@@ -3919,7 +4321,7 @@
               </a:extLst>
             </a:blip>
             <a:stretch>
-              <a:fillRect l="0" t="0" r="0" b="0"/>
+              <a:fillRect/>
             </a:stretch>
           </a:blipFill>
           <a:ln cap="sq">
@@ -3931,12 +4333,12 @@
       </p:sp>
       <p:sp>
         <p:nvSpPr>
-          <p:cNvPr name="Freeform 4" id="4"/>
+          <p:cNvPr id="4" name="Freeform 4"/>
           <p:cNvSpPr/>
           <p:nvPr/>
         </p:nvSpPr>
         <p:spPr>
-          <a:xfrm flipH="false" flipV="false" rot="0">
+          <a:xfrm>
             <a:off x="2593737" y="1394767"/>
             <a:ext cx="1024705" cy="823490"/>
           </a:xfrm>
@@ -3945,9 +4347,9 @@
             <a:gdLst/>
             <a:ahLst/>
             <a:cxnLst/>
-            <a:rect r="r" b="b" t="t" l="l"/>
+            <a:rect l="l" t="t" r="r" b="b"/>
             <a:pathLst>
-              <a:path h="823490" w="1024705">
+              <a:path w="1024705" h="823490">
                 <a:moveTo>
                   <a:pt x="0" y="0"/>
                 </a:moveTo>
@@ -3976,19 +4378,19 @@
               </a:extLst>
             </a:blip>
             <a:stretch>
-              <a:fillRect l="0" t="0" r="0" b="0"/>
+              <a:fillRect/>
             </a:stretch>
           </a:blipFill>
         </p:spPr>
       </p:sp>
       <p:sp>
         <p:nvSpPr>
-          <p:cNvPr name="Freeform 5" id="5"/>
+          <p:cNvPr id="5" name="Freeform 5"/>
           <p:cNvSpPr/>
           <p:nvPr/>
         </p:nvSpPr>
         <p:spPr>
-          <a:xfrm flipH="true" flipV="false" rot="0">
+          <a:xfrm flipH="1">
             <a:off x="263227" y="4366506"/>
             <a:ext cx="936587" cy="752675"/>
           </a:xfrm>
@@ -3997,9 +4399,9 @@
             <a:gdLst/>
             <a:ahLst/>
             <a:cxnLst/>
-            <a:rect r="r" b="b" t="t" l="l"/>
+            <a:rect l="l" t="t" r="r" b="b"/>
             <a:pathLst>
-              <a:path h="752675" w="936587">
+              <a:path w="936587" h="752675">
                 <a:moveTo>
                   <a:pt x="936586" y="0"/>
                 </a:moveTo>
@@ -4028,19 +4430,19 @@
               </a:extLst>
             </a:blip>
             <a:stretch>
-              <a:fillRect l="0" t="0" r="0" b="0"/>
+              <a:fillRect/>
             </a:stretch>
           </a:blipFill>
         </p:spPr>
       </p:sp>
       <p:sp>
         <p:nvSpPr>
-          <p:cNvPr name="Freeform 6" id="6"/>
+          <p:cNvPr id="6" name="Freeform 6"/>
           <p:cNvSpPr/>
           <p:nvPr/>
         </p:nvSpPr>
         <p:spPr>
-          <a:xfrm flipH="false" flipV="true" rot="254000">
+          <a:xfrm rot="254000" flipV="1">
             <a:off x="-585695" y="-336783"/>
             <a:ext cx="2002938" cy="1962879"/>
           </a:xfrm>
@@ -4049,9 +4451,9 @@
             <a:gdLst/>
             <a:ahLst/>
             <a:cxnLst/>
-            <a:rect r="r" b="b" t="t" l="l"/>
+            <a:rect l="l" t="t" r="r" b="b"/>
             <a:pathLst>
-              <a:path h="1962879" w="2002938">
+              <a:path w="2002938" h="1962879">
                 <a:moveTo>
                   <a:pt x="0" y="1962879"/>
                 </a:moveTo>
@@ -4080,7 +4482,7 @@
               </a:extLst>
             </a:blip>
             <a:stretch>
-              <a:fillRect l="0" t="0" r="0" b="0"/>
+              <a:fillRect/>
             </a:stretch>
           </a:blipFill>
           <a:ln cap="sq">
@@ -4092,12 +4494,12 @@
       </p:sp>
       <p:sp>
         <p:nvSpPr>
-          <p:cNvPr name="TextBox 7" id="7"/>
-          <p:cNvSpPr txBox="true"/>
+          <p:cNvPr id="7" name="TextBox 7"/>
+          <p:cNvSpPr txBox="1"/>
           <p:nvPr/>
         </p:nvSpPr>
         <p:spPr>
-          <a:xfrm rot="0">
+          <a:xfrm>
             <a:off x="185575" y="2776816"/>
             <a:ext cx="3561387" cy="829568"/>
           </a:xfrm>
@@ -4106,12 +4508,12 @@
           </a:prstGeom>
         </p:spPr>
         <p:txBody>
-          <a:bodyPr anchor="t" rtlCol="false" tIns="0" lIns="0" bIns="0" rIns="0">
+          <a:bodyPr lIns="0" tIns="0" rIns="0" bIns="0" rtlCol="0" anchor="t">
             <a:spAutoFit/>
           </a:bodyPr>
           <a:lstStyle/>
           <a:p>
-            <a:pPr algn="ctr" marL="0" indent="0" lvl="0">
+            <a:pPr marL="0" lvl="0" indent="0" algn="ctr">
               <a:lnSpc>
                 <a:spcPts val="6775"/>
               </a:lnSpc>
@@ -4136,12 +4538,12 @@
       </p:sp>
       <p:sp>
         <p:nvSpPr>
-          <p:cNvPr name="TextBox 8" id="8"/>
-          <p:cNvSpPr txBox="true"/>
+          <p:cNvPr id="8" name="TextBox 8"/>
+          <p:cNvSpPr txBox="1"/>
           <p:nvPr/>
         </p:nvSpPr>
         <p:spPr>
-          <a:xfrm rot="0">
+          <a:xfrm>
             <a:off x="110949" y="3457701"/>
             <a:ext cx="3710639" cy="721995"/>
           </a:xfrm>
@@ -4150,12 +4552,12 @@
           </a:prstGeom>
         </p:spPr>
         <p:txBody>
-          <a:bodyPr anchor="t" rtlCol="false" tIns="0" lIns="0" bIns="0" rIns="0">
+          <a:bodyPr lIns="0" tIns="0" rIns="0" bIns="0" rtlCol="0" anchor="t">
             <a:spAutoFit/>
           </a:bodyPr>
           <a:lstStyle/>
           <a:p>
-            <a:pPr algn="ctr" marL="0" indent="0" lvl="0">
+            <a:pPr marL="0" lvl="0" indent="0" algn="ctr">
               <a:lnSpc>
                 <a:spcPts val="5880"/>
               </a:lnSpc>
@@ -4180,12 +4582,12 @@
       </p:sp>
       <p:sp>
         <p:nvSpPr>
-          <p:cNvPr name="Freeform 9" id="9"/>
+          <p:cNvPr id="9" name="Freeform 9"/>
           <p:cNvSpPr/>
           <p:nvPr/>
         </p:nvSpPr>
         <p:spPr>
-          <a:xfrm flipH="false" flipV="false" rot="0">
+          <a:xfrm>
             <a:off x="3494797" y="1101918"/>
             <a:ext cx="580511" cy="5067951"/>
           </a:xfrm>
@@ -4194,9 +4596,9 @@
             <a:gdLst/>
             <a:ahLst/>
             <a:cxnLst/>
-            <a:rect r="r" b="b" t="t" l="l"/>
+            <a:rect l="l" t="t" r="r" b="b"/>
             <a:pathLst>
-              <a:path h="5067951" w="580511">
+              <a:path w="580511" h="5067951">
                 <a:moveTo>
                   <a:pt x="0" y="0"/>
                 </a:moveTo>
@@ -4225,19 +4627,19 @@
               </a:extLst>
             </a:blip>
             <a:stretch>
-              <a:fillRect l="0" t="0" r="0" b="0"/>
+              <a:fillRect/>
             </a:stretch>
           </a:blipFill>
         </p:spPr>
       </p:sp>
       <p:sp>
         <p:nvSpPr>
-          <p:cNvPr name="TextBox 10" id="10"/>
-          <p:cNvSpPr txBox="true"/>
+          <p:cNvPr id="10" name="TextBox 10"/>
+          <p:cNvSpPr txBox="1"/>
           <p:nvPr/>
         </p:nvSpPr>
         <p:spPr>
-          <a:xfrm rot="0">
+          <a:xfrm>
             <a:off x="6973976" y="677746"/>
             <a:ext cx="2641527" cy="1045845"/>
           </a:xfrm>
@@ -4246,12 +4648,12 @@
           </a:prstGeom>
         </p:spPr>
         <p:txBody>
-          <a:bodyPr anchor="t" rtlCol="false" tIns="0" lIns="0" bIns="0" rIns="0">
+          <a:bodyPr lIns="0" tIns="0" rIns="0" bIns="0" rtlCol="0" anchor="t">
             <a:spAutoFit/>
           </a:bodyPr>
           <a:lstStyle/>
           <a:p>
-            <a:pPr algn="l" marL="0" indent="0" lvl="0">
+            <a:pPr marL="0" lvl="0" indent="0" algn="l">
               <a:lnSpc>
                 <a:spcPts val="1679"/>
               </a:lnSpc>
@@ -4272,7 +4674,7 @@
               <a:t>Re</a:t>
             </a:r>
             <a:r>
-              <a:rPr lang="en-US" sz="1200" strike="noStrike" u="none">
+              <a:rPr lang="en-US" sz="1200" u="none" strike="noStrike">
                 <a:solidFill>
                   <a:srgbClr val="0F1D11"/>
                 </a:solidFill>
@@ -4288,12 +4690,12 @@
       </p:sp>
       <p:sp>
         <p:nvSpPr>
-          <p:cNvPr name="TextBox 11" id="11"/>
-          <p:cNvSpPr txBox="true"/>
+          <p:cNvPr id="11" name="TextBox 11"/>
+          <p:cNvSpPr txBox="1"/>
           <p:nvPr/>
         </p:nvSpPr>
         <p:spPr>
-          <a:xfrm rot="0">
+          <a:xfrm>
             <a:off x="4287633" y="979371"/>
             <a:ext cx="2696451" cy="1433195"/>
           </a:xfrm>
@@ -4302,12 +4704,12 @@
           </a:prstGeom>
         </p:spPr>
         <p:txBody>
-          <a:bodyPr anchor="t" rtlCol="false" tIns="0" lIns="0" bIns="0" rIns="0">
+          <a:bodyPr lIns="0" tIns="0" rIns="0" bIns="0" rtlCol="0" anchor="t">
             <a:spAutoFit/>
           </a:bodyPr>
           <a:lstStyle/>
           <a:p>
-            <a:pPr algn="l" marL="0" indent="0" lvl="0">
+            <a:pPr marL="0" lvl="0" indent="0" algn="l">
               <a:lnSpc>
                 <a:spcPts val="2799"/>
               </a:lnSpc>
@@ -4325,7 +4727,7 @@
               <a:t>BÚSQU</a:t>
             </a:r>
             <a:r>
-              <a:rPr lang="en-US" sz="2799" strike="noStrike" u="none">
+              <a:rPr lang="en-US" sz="2799" u="none" strike="noStrike">
                 <a:solidFill>
                   <a:srgbClr val="0F1D11"/>
                 </a:solidFill>
@@ -4338,22 +4740,31 @@
             </a:r>
           </a:p>
           <a:p>
-            <a:pPr algn="l" marL="0" indent="0" lvl="0">
+            <a:pPr marL="0" lvl="0" indent="0" algn="l">
               <a:lnSpc>
                 <a:spcPts val="2799"/>
               </a:lnSpc>
             </a:pPr>
-          </a:p>
-        </p:txBody>
-      </p:sp>
-      <p:sp>
-        <p:nvSpPr>
-          <p:cNvPr name="Freeform 12" id="12"/>
+            <a:endParaRPr lang="en-US" sz="2799" u="none" strike="noStrike">
+              <a:solidFill>
+                <a:srgbClr val="0F1D11"/>
+              </a:solidFill>
+              <a:latin typeface="Luckiest Guy"/>
+              <a:ea typeface="Luckiest Guy"/>
+              <a:cs typeface="Luckiest Guy"/>
+              <a:sym typeface="Luckiest Guy"/>
+            </a:endParaRPr>
+          </a:p>
+        </p:txBody>
+      </p:sp>
+      <p:sp>
+        <p:nvSpPr>
+          <p:cNvPr id="12" name="Freeform 12"/>
           <p:cNvSpPr/>
           <p:nvPr/>
         </p:nvSpPr>
         <p:spPr>
-          <a:xfrm flipH="false" flipV="false" rot="0">
+          <a:xfrm>
             <a:off x="6709560" y="681123"/>
             <a:ext cx="146299" cy="1277217"/>
           </a:xfrm>
@@ -4362,9 +4773,9 @@
             <a:gdLst/>
             <a:ahLst/>
             <a:cxnLst/>
-            <a:rect r="r" b="b" t="t" l="l"/>
+            <a:rect l="l" t="t" r="r" b="b"/>
             <a:pathLst>
-              <a:path h="1277217" w="146299">
+              <a:path w="146299" h="1277217">
                 <a:moveTo>
                   <a:pt x="0" y="0"/>
                 </a:moveTo>
@@ -4393,19 +4804,19 @@
               </a:extLst>
             </a:blip>
             <a:stretch>
-              <a:fillRect l="0" t="0" r="0" b="0"/>
+              <a:fillRect/>
             </a:stretch>
           </a:blipFill>
         </p:spPr>
       </p:sp>
       <p:sp>
         <p:nvSpPr>
-          <p:cNvPr name="TextBox 13" id="13"/>
-          <p:cNvSpPr txBox="true"/>
+          <p:cNvPr id="13" name="TextBox 13"/>
+          <p:cNvSpPr txBox="1"/>
           <p:nvPr/>
         </p:nvSpPr>
         <p:spPr>
-          <a:xfrm rot="0">
+          <a:xfrm>
             <a:off x="4287633" y="3877427"/>
             <a:ext cx="2605668" cy="1080770"/>
           </a:xfrm>
@@ -4414,12 +4825,12 @@
           </a:prstGeom>
         </p:spPr>
         <p:txBody>
-          <a:bodyPr anchor="t" rtlCol="false" tIns="0" lIns="0" bIns="0" rIns="0">
+          <a:bodyPr lIns="0" tIns="0" rIns="0" bIns="0" rtlCol="0" anchor="t">
             <a:spAutoFit/>
           </a:bodyPr>
           <a:lstStyle/>
           <a:p>
-            <a:pPr algn="l" marL="0" indent="0" lvl="0">
+            <a:pPr marL="0" lvl="0" indent="0" algn="l">
               <a:lnSpc>
                 <a:spcPts val="2799"/>
               </a:lnSpc>
@@ -4440,7 +4851,7 @@
               <a:t>BÚ</a:t>
             </a:r>
             <a:r>
-              <a:rPr lang="en-US" sz="2799" strike="noStrike" u="none">
+              <a:rPr lang="en-US" sz="2799" u="none" strike="noStrike">
                 <a:solidFill>
                   <a:srgbClr val="0F1D11"/>
                 </a:solidFill>
@@ -4453,7 +4864,7 @@
             </a:r>
           </a:p>
           <a:p>
-            <a:pPr algn="l" marL="0" indent="0" lvl="0">
+            <a:pPr marL="0" lvl="0" indent="0" algn="l">
               <a:lnSpc>
                 <a:spcPts val="2799"/>
               </a:lnSpc>
@@ -4461,17 +4872,26 @@
                 <a:spcPct val="0"/>
               </a:spcBef>
             </a:pPr>
-          </a:p>
-        </p:txBody>
-      </p:sp>
-      <p:sp>
-        <p:nvSpPr>
-          <p:cNvPr name="Freeform 14" id="14"/>
+            <a:endParaRPr lang="en-US" sz="2799" u="none" strike="noStrike">
+              <a:solidFill>
+                <a:srgbClr val="0F1D11"/>
+              </a:solidFill>
+              <a:latin typeface="Luckiest Guy"/>
+              <a:ea typeface="Luckiest Guy"/>
+              <a:cs typeface="Luckiest Guy"/>
+              <a:sym typeface="Luckiest Guy"/>
+            </a:endParaRPr>
+          </a:p>
+        </p:txBody>
+      </p:sp>
+      <p:sp>
+        <p:nvSpPr>
+          <p:cNvPr id="14" name="Freeform 14"/>
           <p:cNvSpPr/>
           <p:nvPr/>
         </p:nvSpPr>
         <p:spPr>
-          <a:xfrm flipH="false" flipV="false" rot="0">
+          <a:xfrm>
             <a:off x="6709560" y="3755391"/>
             <a:ext cx="146299" cy="1277217"/>
           </a:xfrm>
@@ -4480,9 +4900,9 @@
             <a:gdLst/>
             <a:ahLst/>
             <a:cxnLst/>
-            <a:rect r="r" b="b" t="t" l="l"/>
+            <a:rect l="l" t="t" r="r" b="b"/>
             <a:pathLst>
-              <a:path h="1277217" w="146299">
+              <a:path w="146299" h="1277217">
                 <a:moveTo>
                   <a:pt x="0" y="0"/>
                 </a:moveTo>
@@ -4511,19 +4931,19 @@
               </a:extLst>
             </a:blip>
             <a:stretch>
-              <a:fillRect l="0" t="0" r="0" b="0"/>
+              <a:fillRect/>
             </a:stretch>
           </a:blipFill>
         </p:spPr>
       </p:sp>
       <p:sp>
         <p:nvSpPr>
-          <p:cNvPr name="Freeform 15" id="15"/>
+          <p:cNvPr id="15" name="Freeform 15"/>
           <p:cNvSpPr/>
           <p:nvPr/>
         </p:nvSpPr>
         <p:spPr>
-          <a:xfrm flipH="false" flipV="false" rot="0">
+          <a:xfrm>
             <a:off x="6709560" y="2218257"/>
             <a:ext cx="146299" cy="1277217"/>
           </a:xfrm>
@@ -4532,9 +4952,9 @@
             <a:gdLst/>
             <a:ahLst/>
             <a:cxnLst/>
-            <a:rect r="r" b="b" t="t" l="l"/>
+            <a:rect l="l" t="t" r="r" b="b"/>
             <a:pathLst>
-              <a:path h="1277217" w="146299">
+              <a:path w="146299" h="1277217">
                 <a:moveTo>
                   <a:pt x="0" y="0"/>
                 </a:moveTo>
@@ -4563,19 +4983,19 @@
               </a:extLst>
             </a:blip>
             <a:stretch>
-              <a:fillRect l="0" t="0" r="0" b="0"/>
+              <a:fillRect/>
             </a:stretch>
           </a:blipFill>
         </p:spPr>
       </p:sp>
       <p:sp>
         <p:nvSpPr>
-          <p:cNvPr name="TextBox 16" id="16"/>
-          <p:cNvSpPr txBox="true"/>
+          <p:cNvPr id="16" name="TextBox 16"/>
+          <p:cNvSpPr txBox="1"/>
           <p:nvPr/>
         </p:nvSpPr>
         <p:spPr>
-          <a:xfrm rot="0">
+          <a:xfrm>
             <a:off x="4287633" y="5414561"/>
             <a:ext cx="2510509" cy="1080770"/>
           </a:xfrm>
@@ -4584,12 +5004,12 @@
           </a:prstGeom>
         </p:spPr>
         <p:txBody>
-          <a:bodyPr anchor="t" rtlCol="false" tIns="0" lIns="0" bIns="0" rIns="0">
+          <a:bodyPr lIns="0" tIns="0" rIns="0" bIns="0" rtlCol="0" anchor="t">
             <a:spAutoFit/>
           </a:bodyPr>
           <a:lstStyle/>
           <a:p>
-            <a:pPr algn="l" marL="0" indent="0" lvl="0">
+            <a:pPr marL="0" lvl="0" indent="0" algn="l">
               <a:lnSpc>
                 <a:spcPts val="2799"/>
               </a:lnSpc>
@@ -4610,7 +5030,7 @@
               <a:t>BÚSQU</a:t>
             </a:r>
             <a:r>
-              <a:rPr lang="en-US" sz="2799" strike="noStrike" u="none">
+              <a:rPr lang="en-US" sz="2799" u="none" strike="noStrike">
                 <a:solidFill>
                   <a:srgbClr val="0F1D11"/>
                 </a:solidFill>
@@ -4623,7 +5043,7 @@
             </a:r>
           </a:p>
           <a:p>
-            <a:pPr algn="l" marL="0" indent="0" lvl="0">
+            <a:pPr marL="0" lvl="0" indent="0" algn="l">
               <a:lnSpc>
                 <a:spcPts val="2799"/>
               </a:lnSpc>
@@ -4631,17 +5051,26 @@
                 <a:spcPct val="0"/>
               </a:spcBef>
             </a:pPr>
-          </a:p>
-        </p:txBody>
-      </p:sp>
-      <p:sp>
-        <p:nvSpPr>
-          <p:cNvPr name="Freeform 17" id="17"/>
+            <a:endParaRPr lang="en-US" sz="2799" u="none" strike="noStrike">
+              <a:solidFill>
+                <a:srgbClr val="0F1D11"/>
+              </a:solidFill>
+              <a:latin typeface="Luckiest Guy"/>
+              <a:ea typeface="Luckiest Guy"/>
+              <a:cs typeface="Luckiest Guy"/>
+              <a:sym typeface="Luckiest Guy"/>
+            </a:endParaRPr>
+          </a:p>
+        </p:txBody>
+      </p:sp>
+      <p:sp>
+        <p:nvSpPr>
+          <p:cNvPr id="17" name="Freeform 17"/>
           <p:cNvSpPr/>
           <p:nvPr/>
         </p:nvSpPr>
         <p:spPr>
-          <a:xfrm flipH="false" flipV="false" rot="0">
+          <a:xfrm>
             <a:off x="6709560" y="5292525"/>
             <a:ext cx="146299" cy="1277217"/>
           </a:xfrm>
@@ -4650,9 +5079,9 @@
             <a:gdLst/>
             <a:ahLst/>
             <a:cxnLst/>
-            <a:rect r="r" b="b" t="t" l="l"/>
+            <a:rect l="l" t="t" r="r" b="b"/>
             <a:pathLst>
-              <a:path h="1277217" w="146299">
+              <a:path w="146299" h="1277217">
                 <a:moveTo>
                   <a:pt x="0" y="0"/>
                 </a:moveTo>
@@ -4681,19 +5110,19 @@
               </a:extLst>
             </a:blip>
             <a:stretch>
-              <a:fillRect l="0" t="0" r="0" b="0"/>
+              <a:fillRect/>
             </a:stretch>
           </a:blipFill>
         </p:spPr>
       </p:sp>
       <p:grpSp>
         <p:nvGrpSpPr>
-          <p:cNvPr name="Group 18" id="18"/>
+          <p:cNvPr id="18" name="Group 18"/>
           <p:cNvGrpSpPr/>
           <p:nvPr/>
         </p:nvGrpSpPr>
         <p:grpSpPr>
-          <a:xfrm rot="0">
+          <a:xfrm>
             <a:off x="1125849" y="5483488"/>
             <a:ext cx="361110" cy="344183"/>
             <a:chOff x="0" y="0"/>
@@ -4702,12 +5131,12 @@
         </p:grpSpPr>
         <p:sp>
           <p:nvSpPr>
-            <p:cNvPr name="Freeform 19" id="19"/>
+            <p:cNvPr id="19" name="Freeform 19"/>
             <p:cNvSpPr/>
             <p:nvPr/>
           </p:nvSpPr>
           <p:spPr>
-            <a:xfrm flipH="false" flipV="false" rot="0">
+            <a:xfrm>
               <a:off x="104701" y="113079"/>
               <a:ext cx="603398" cy="579844"/>
             </a:xfrm>
@@ -4716,9 +5145,9 @@
               <a:gdLst/>
               <a:ahLst/>
               <a:cxnLst/>
-              <a:rect r="r" b="b" t="t" l="l"/>
+              <a:rect l="l" t="t" r="r" b="b"/>
               <a:pathLst>
-                <a:path h="579844" w="603398">
+                <a:path w="603398" h="579844">
                   <a:moveTo>
                     <a:pt x="349668" y="34875"/>
                   </a:moveTo>
@@ -4838,8 +5267,8 @@
         </p:sp>
         <p:sp>
           <p:nvSpPr>
-            <p:cNvPr name="TextBox 20" id="20"/>
-            <p:cNvSpPr txBox="true"/>
+            <p:cNvPr id="20" name="TextBox 20"/>
+            <p:cNvSpPr txBox="1"/>
             <p:nvPr/>
           </p:nvSpPr>
           <p:spPr>
@@ -4852,7 +5281,7 @@
             </a:prstGeom>
           </p:spPr>
           <p:txBody>
-            <a:bodyPr anchor="ctr" rtlCol="false" tIns="50800" lIns="50800" bIns="50800" rIns="50800"/>
+            <a:bodyPr lIns="50800" tIns="50800" rIns="50800" bIns="50800" rtlCol="0" anchor="ctr"/>
             <a:lstStyle/>
             <a:p>
               <a:pPr algn="ctr">
@@ -4860,18 +5289,19 @@
                   <a:spcPts val="1146"/>
                 </a:lnSpc>
               </a:pPr>
+              <a:endParaRPr/>
             </a:p>
           </p:txBody>
         </p:sp>
       </p:grpSp>
       <p:sp>
         <p:nvSpPr>
-          <p:cNvPr name="TextBox 21" id="21"/>
-          <p:cNvSpPr txBox="true"/>
+          <p:cNvPr id="21" name="TextBox 21"/>
+          <p:cNvSpPr txBox="1"/>
           <p:nvPr/>
         </p:nvSpPr>
         <p:spPr>
-          <a:xfrm rot="0">
+          <a:xfrm>
             <a:off x="1199813" y="4105467"/>
             <a:ext cx="1817419" cy="1133475"/>
           </a:xfrm>
@@ -4880,12 +5310,12 @@
           </a:prstGeom>
         </p:spPr>
         <p:txBody>
-          <a:bodyPr anchor="t" rtlCol="false" tIns="0" lIns="0" bIns="0" rIns="0">
+          <a:bodyPr lIns="0" tIns="0" rIns="0" bIns="0" rtlCol="0" anchor="t">
             <a:spAutoFit/>
           </a:bodyPr>
           <a:lstStyle/>
           <a:p>
-            <a:pPr algn="ctr" marL="0" indent="0" lvl="0">
+            <a:pPr marL="0" lvl="0" indent="0" algn="ctr">
               <a:lnSpc>
                 <a:spcPts val="1297"/>
               </a:lnSpc>
@@ -4907,12 +5337,12 @@
       </p:sp>
       <p:sp>
         <p:nvSpPr>
-          <p:cNvPr name="TextBox 22" id="22"/>
-          <p:cNvSpPr txBox="true"/>
+          <p:cNvPr id="22" name="TextBox 22"/>
+          <p:cNvSpPr txBox="1"/>
           <p:nvPr/>
         </p:nvSpPr>
         <p:spPr>
-          <a:xfrm rot="0">
+          <a:xfrm>
             <a:off x="6973976" y="3856790"/>
             <a:ext cx="2641527" cy="1255395"/>
           </a:xfrm>
@@ -4921,12 +5351,12 @@
           </a:prstGeom>
         </p:spPr>
         <p:txBody>
-          <a:bodyPr anchor="t" rtlCol="false" tIns="0" lIns="0" bIns="0" rIns="0">
+          <a:bodyPr lIns="0" tIns="0" rIns="0" bIns="0" rtlCol="0" anchor="t">
             <a:spAutoFit/>
           </a:bodyPr>
           <a:lstStyle/>
           <a:p>
-            <a:pPr algn="l" marL="0" indent="0" lvl="0">
+            <a:pPr marL="0" lvl="0" indent="0" algn="l">
               <a:lnSpc>
                 <a:spcPts val="1679"/>
               </a:lnSpc>
@@ -4947,7 +5377,7 @@
               <a:t>Usa</a:t>
             </a:r>
             <a:r>
-              <a:rPr lang="en-US" sz="1200" strike="noStrike" u="none">
+              <a:rPr lang="en-US" sz="1200" u="none" strike="noStrike">
                 <a:solidFill>
                   <a:srgbClr val="0F1D11"/>
                 </a:solidFill>
@@ -4963,12 +5393,12 @@
       </p:sp>
       <p:sp>
         <p:nvSpPr>
-          <p:cNvPr name="TextBox 23" id="23"/>
-          <p:cNvSpPr txBox="true"/>
+          <p:cNvPr id="23" name="TextBox 23"/>
+          <p:cNvSpPr txBox="1"/>
           <p:nvPr/>
         </p:nvSpPr>
         <p:spPr>
-          <a:xfrm rot="0">
+          <a:xfrm>
             <a:off x="6973976" y="2319656"/>
             <a:ext cx="2368627" cy="836295"/>
           </a:xfrm>
@@ -4977,12 +5407,12 @@
           </a:prstGeom>
         </p:spPr>
         <p:txBody>
-          <a:bodyPr anchor="t" rtlCol="false" tIns="0" lIns="0" bIns="0" rIns="0">
+          <a:bodyPr lIns="0" tIns="0" rIns="0" bIns="0" rtlCol="0" anchor="t">
             <a:spAutoFit/>
           </a:bodyPr>
           <a:lstStyle/>
           <a:p>
-            <a:pPr algn="l" marL="0" indent="0" lvl="0">
+            <a:pPr marL="0" lvl="0" indent="0" algn="l">
               <a:lnSpc>
                 <a:spcPts val="1679"/>
               </a:lnSpc>
@@ -5003,7 +5433,7 @@
               <a:t>R</a:t>
             </a:r>
             <a:r>
-              <a:rPr lang="en-US" sz="1200" strike="noStrike" u="none">
+              <a:rPr lang="en-US" sz="1200" u="none" strike="noStrike">
                 <a:solidFill>
                   <a:srgbClr val="0F1D11"/>
                 </a:solidFill>
@@ -5019,12 +5449,12 @@
       </p:sp>
       <p:sp>
         <p:nvSpPr>
-          <p:cNvPr name="TextBox 24" id="24"/>
-          <p:cNvSpPr txBox="true"/>
+          <p:cNvPr id="24" name="TextBox 24"/>
+          <p:cNvSpPr txBox="1"/>
           <p:nvPr/>
         </p:nvSpPr>
         <p:spPr>
-          <a:xfrm rot="0">
+          <a:xfrm>
             <a:off x="4287633" y="2516506"/>
             <a:ext cx="2365572" cy="728345"/>
           </a:xfrm>
@@ -5033,12 +5463,12 @@
           </a:prstGeom>
         </p:spPr>
         <p:txBody>
-          <a:bodyPr anchor="t" rtlCol="false" tIns="0" lIns="0" bIns="0" rIns="0">
+          <a:bodyPr lIns="0" tIns="0" rIns="0" bIns="0" rtlCol="0" anchor="t">
             <a:spAutoFit/>
           </a:bodyPr>
           <a:lstStyle/>
           <a:p>
-            <a:pPr algn="l" marL="0" indent="0" lvl="0">
+            <a:pPr marL="0" lvl="0" indent="0" algn="l">
               <a:lnSpc>
                 <a:spcPts val="2799"/>
               </a:lnSpc>
@@ -5063,12 +5493,12 @@
       </p:sp>
       <p:sp>
         <p:nvSpPr>
-          <p:cNvPr name="TextBox 25" id="25"/>
-          <p:cNvSpPr txBox="true"/>
+          <p:cNvPr id="25" name="TextBox 25"/>
+          <p:cNvSpPr txBox="1"/>
           <p:nvPr/>
         </p:nvSpPr>
         <p:spPr>
-          <a:xfrm rot="0">
+          <a:xfrm>
             <a:off x="6973976" y="5498699"/>
             <a:ext cx="2348411" cy="1255395"/>
           </a:xfrm>
@@ -5077,12 +5507,12 @@
           </a:prstGeom>
         </p:spPr>
         <p:txBody>
-          <a:bodyPr anchor="t" rtlCol="false" tIns="0" lIns="0" bIns="0" rIns="0">
+          <a:bodyPr lIns="0" tIns="0" rIns="0" bIns="0" rtlCol="0" anchor="t">
             <a:spAutoFit/>
           </a:bodyPr>
           <a:lstStyle/>
           <a:p>
-            <a:pPr algn="l" marL="0" indent="0" lvl="0">
+            <a:pPr marL="0" lvl="0" indent="0" algn="l">
               <a:lnSpc>
                 <a:spcPts val="1679"/>
               </a:lnSpc>
@@ -5103,7 +5533,7 @@
               <a:t>En</a:t>
             </a:r>
             <a:r>
-              <a:rPr lang="en-US" sz="1200" strike="noStrike" u="none">
+              <a:rPr lang="en-US" sz="1200" u="none" strike="noStrike">
                 <a:solidFill>
                   <a:srgbClr val="0F1D11"/>
                 </a:solidFill>
@@ -5126,13 +5556,14 @@
 </file>
 
 <file path=ppt/slides/slide4.xml><?xml version="1.0" encoding="utf-8"?>
-<p:sld xmlns:p="http://schemas.openxmlformats.org/presentationml/2006/main" xmlns:a="http://schemas.openxmlformats.org/drawingml/2006/main">
+<p:sld xmlns:a="http://schemas.openxmlformats.org/drawingml/2006/main" xmlns:r="http://schemas.openxmlformats.org/officeDocument/2006/relationships" xmlns:p="http://schemas.openxmlformats.org/presentationml/2006/main">
   <p:cSld>
     <p:bg>
       <p:bgPr>
         <a:solidFill>
           <a:srgbClr val="F7FAFF"/>
         </a:solidFill>
+        <a:effectLst/>
       </p:bgPr>
     </p:bg>
     <p:spTree>
@@ -5151,12 +5582,12 @@
       </p:grpSpPr>
       <p:sp>
         <p:nvSpPr>
-          <p:cNvPr name="TextBox 2" id="2"/>
-          <p:cNvSpPr txBox="true"/>
+          <p:cNvPr id="2" name="TextBox 2"/>
+          <p:cNvSpPr txBox="1"/>
           <p:nvPr/>
         </p:nvSpPr>
         <p:spPr>
-          <a:xfrm rot="0">
+          <a:xfrm>
             <a:off x="731520" y="693420"/>
             <a:ext cx="8434576" cy="2715895"/>
           </a:xfrm>
@@ -5165,7 +5596,7 @@
           </a:prstGeom>
         </p:spPr>
         <p:txBody>
-          <a:bodyPr anchor="t" rtlCol="false" tIns="0" lIns="0" bIns="0" rIns="0">
+          <a:bodyPr lIns="0" tIns="0" rIns="0" bIns="0" rtlCol="0" anchor="t">
             <a:spAutoFit/>
           </a:bodyPr>
           <a:lstStyle/>
@@ -5204,19 +5635,7 @@
                 <a:cs typeface="Open Sans"/>
                 <a:sym typeface="Open Sans"/>
               </a:rPr>
-              <a:t>Búsquedas lineales sirven para datos pequeños, mientras binarias y hashin</a:t>
-            </a:r>
-            <a:r>
-              <a:rPr lang="en-US" sz="2199">
-                <a:solidFill>
-                  <a:srgbClr val="000000"/>
-                </a:solidFill>
-                <a:latin typeface="Open Sans"/>
-                <a:ea typeface="Open Sans"/>
-                <a:cs typeface="Open Sans"/>
-                <a:sym typeface="Open Sans"/>
-              </a:rPr>
-              <a:t>g destacan en grandes volúmenes ordenados o indexados. Elegir según contexto reduce complejidad de O(n) a O(1) o O(log n). Su integración eleva la eficiencia computacional en modelado y software.</a:t>
+              <a:t>Búsquedas lineales sirven para datos pequeños, mientras binarias y hashing destacan en grandes volúmenes ordenados o indexados. Elegir según contexto reduce complejidad de O(n) a O(1) o O(log n). Su integración eleva la eficiencia computacional en modelado y software.</a:t>
             </a:r>
           </a:p>
           <a:p>
@@ -5225,6 +5644,15 @@
                 <a:spcPts val="3079"/>
               </a:lnSpc>
             </a:pPr>
+            <a:endParaRPr lang="en-US" sz="2199">
+              <a:solidFill>
+                <a:srgbClr val="000000"/>
+              </a:solidFill>
+              <a:latin typeface="Open Sans"/>
+              <a:ea typeface="Open Sans"/>
+              <a:cs typeface="Open Sans"/>
+              <a:sym typeface="Open Sans"/>
+            </a:endParaRPr>
           </a:p>
         </p:txBody>
       </p:sp>
@@ -5237,13 +5665,14 @@
 </file>
 
 <file path=ppt/slides/slide5.xml><?xml version="1.0" encoding="utf-8"?>
-<p:sld xmlns:p="http://schemas.openxmlformats.org/presentationml/2006/main" xmlns:a="http://schemas.openxmlformats.org/drawingml/2006/main" xmlns:r="http://schemas.openxmlformats.org/officeDocument/2006/relationships">
+<p:sld xmlns:a="http://schemas.openxmlformats.org/drawingml/2006/main" xmlns:r="http://schemas.openxmlformats.org/officeDocument/2006/relationships" xmlns:p="http://schemas.openxmlformats.org/presentationml/2006/main">
   <p:cSld>
     <p:bg>
       <p:bgPr>
         <a:solidFill>
           <a:srgbClr val="F7FAFF"/>
         </a:solidFill>
+        <a:effectLst/>
       </p:bgPr>
     </p:bg>
     <p:spTree>
@@ -5262,12 +5691,12 @@
       </p:grpSpPr>
       <p:sp>
         <p:nvSpPr>
-          <p:cNvPr name="TextBox 2" id="2"/>
-          <p:cNvSpPr txBox="true"/>
+          <p:cNvPr id="2" name="TextBox 2"/>
+          <p:cNvSpPr txBox="1"/>
           <p:nvPr/>
         </p:nvSpPr>
         <p:spPr>
-          <a:xfrm rot="0">
+          <a:xfrm>
             <a:off x="1099186" y="1489251"/>
             <a:ext cx="8053525" cy="3767455"/>
           </a:xfrm>
@@ -5276,7 +5705,7 @@
           </a:prstGeom>
         </p:spPr>
         <p:txBody>
-          <a:bodyPr anchor="t" rtlCol="false" tIns="0" lIns="0" bIns="0" rIns="0">
+          <a:bodyPr lIns="0" tIns="0" rIns="0" bIns="0" rtlCol="0" anchor="t">
             <a:spAutoFit/>
           </a:bodyPr>
           <a:lstStyle/>
@@ -5299,7 +5728,7 @@
               <a:t> </a:t>
             </a:r>
             <a:r>
-              <a:rPr lang="en-US" sz="2199" b="true">
+              <a:rPr lang="en-US" sz="2199" b="1">
                 <a:solidFill>
                   <a:srgbClr val="000000"/>
                 </a:solidFill>
@@ -5317,9 +5746,18 @@
                 <a:spcPts val="3079"/>
               </a:lnSpc>
             </a:pPr>
-          </a:p>
-          <a:p>
-            <a:pPr algn="l" marL="410211" indent="-205106" lvl="1">
+            <a:endParaRPr lang="en-US" sz="2199" b="1">
+              <a:solidFill>
+                <a:srgbClr val="000000"/>
+              </a:solidFill>
+              <a:latin typeface="Open Sans Bold"/>
+              <a:ea typeface="Open Sans Bold"/>
+              <a:cs typeface="Open Sans Bold"/>
+              <a:sym typeface="Open Sans Bold"/>
+            </a:endParaRPr>
+          </a:p>
+          <a:p>
+            <a:pPr marL="410211" lvl="1" indent="-205106" algn="l">
               <a:lnSpc>
                 <a:spcPts val="2660"/>
               </a:lnSpc>
@@ -5336,19 +5774,7 @@
                 <a:cs typeface="Open Sans"/>
                 <a:sym typeface="Open Sans"/>
               </a:rPr>
-              <a:t>Profile.es. (2025, 31 de a</a:t>
-            </a:r>
-            <a:r>
-              <a:rPr lang="en-US" sz="1900">
-                <a:solidFill>
-                  <a:srgbClr val="000000"/>
-                </a:solidFill>
-                <a:latin typeface="Open Sans"/>
-                <a:ea typeface="Open Sans"/>
-                <a:cs typeface="Open Sans"/>
-                <a:sym typeface="Open Sans"/>
-              </a:rPr>
-              <a:t>gosto). Qué es un algoritmo informático: características, tipos y ejemplos. </a:t>
+              <a:t>Profile.es. (2025, 31 de agosto). Qué es un algoritmo informático: características, tipos y ejemplos. </a:t>
             </a:r>
             <a:r>
               <a:rPr lang="en-US" sz="1900" u="sng">
@@ -5377,7 +5803,7 @@
             </a:r>
           </a:p>
           <a:p>
-            <a:pPr algn="l" marL="410211" indent="-205106" lvl="1">
+            <a:pPr marL="410211" lvl="1" indent="-205106" algn="l">
               <a:lnSpc>
                 <a:spcPts val="2660"/>
               </a:lnSpc>
@@ -5423,7 +5849,7 @@
             </a:r>
           </a:p>
           <a:p>
-            <a:pPr algn="l" marL="410211" indent="-205106" lvl="1">
+            <a:pPr marL="410211" lvl="1" indent="-205106" algn="l">
               <a:lnSpc>
                 <a:spcPts val="2660"/>
               </a:lnSpc>
@@ -5462,6 +5888,16 @@
                 <a:spcPts val="2660"/>
               </a:lnSpc>
             </a:pPr>
+            <a:endParaRPr lang="en-US" sz="1900" u="sng">
+              <a:solidFill>
+                <a:srgbClr val="000000"/>
+              </a:solidFill>
+              <a:latin typeface="Open Sans"/>
+              <a:ea typeface="Open Sans"/>
+              <a:cs typeface="Open Sans"/>
+              <a:sym typeface="Open Sans"/>
+              <a:hlinkClick r:id="rId4" tooltip="https://formacion.intef.es/aulaenabierto/mod/book/view.php?id=5170&amp;chapterid=6873"/>
+            </a:endParaRPr>
           </a:p>
         </p:txBody>
       </p:sp>
